--- a/12_Ensemble_RF/Trees_Ensemble_11.9.20.pptx
+++ b/12_Ensemble_RF/Trees_Ensemble_11.9.20.pptx
@@ -5,31 +5,32 @@
     <p:sldMasterId id="2147483648" r:id="rId1"/>
   </p:sldMasterIdLst>
   <p:notesMasterIdLst>
-    <p:notesMasterId r:id="rId21"/>
+    <p:notesMasterId r:id="rId22"/>
   </p:notesMasterIdLst>
   <p:handoutMasterIdLst>
-    <p:handoutMasterId r:id="rId22"/>
+    <p:handoutMasterId r:id="rId23"/>
   </p:handoutMasterIdLst>
   <p:sldIdLst>
     <p:sldId id="256" r:id="rId2"/>
     <p:sldId id="372" r:id="rId3"/>
-    <p:sldId id="373" r:id="rId4"/>
-    <p:sldId id="305" r:id="rId5"/>
-    <p:sldId id="306" r:id="rId6"/>
-    <p:sldId id="307" r:id="rId7"/>
-    <p:sldId id="308" r:id="rId8"/>
-    <p:sldId id="315" r:id="rId9"/>
-    <p:sldId id="367" r:id="rId10"/>
-    <p:sldId id="316" r:id="rId11"/>
-    <p:sldId id="369" r:id="rId12"/>
-    <p:sldId id="318" r:id="rId13"/>
-    <p:sldId id="287" r:id="rId14"/>
-    <p:sldId id="288" r:id="rId15"/>
-    <p:sldId id="289" r:id="rId16"/>
-    <p:sldId id="368" r:id="rId17"/>
-    <p:sldId id="370" r:id="rId18"/>
+    <p:sldId id="305" r:id="rId4"/>
+    <p:sldId id="306" r:id="rId5"/>
+    <p:sldId id="307" r:id="rId6"/>
+    <p:sldId id="308" r:id="rId7"/>
+    <p:sldId id="315" r:id="rId8"/>
+    <p:sldId id="367" r:id="rId9"/>
+    <p:sldId id="316" r:id="rId10"/>
+    <p:sldId id="369" r:id="rId11"/>
+    <p:sldId id="318" r:id="rId12"/>
+    <p:sldId id="287" r:id="rId13"/>
+    <p:sldId id="288" r:id="rId14"/>
+    <p:sldId id="289" r:id="rId15"/>
+    <p:sldId id="368" r:id="rId16"/>
+    <p:sldId id="370" r:id="rId17"/>
+    <p:sldId id="375" r:id="rId18"/>
     <p:sldId id="267" r:id="rId19"/>
-    <p:sldId id="366" r:id="rId20"/>
+    <p:sldId id="374" r:id="rId20"/>
+    <p:sldId id="366" r:id="rId21"/>
   </p:sldIdLst>
   <p:sldSz cx="12192000" cy="6858000"/>
   <p:notesSz cx="6858000" cy="9144000"/>
@@ -218,7 +219,7 @@
           <a:p>
             <a:fld id="{27160A0F-9B86-4581-85D6-AE4500F6A801}" type="datetimeFigureOut">
               <a:rPr lang="en-US" smtClean="0"/>
-              <a:t>5/4/2021</a:t>
+              <a:t>11/14/2023</a:t>
             </a:fld>
             <a:endParaRPr lang="en-US"/>
           </a:p>
@@ -414,7 +415,7 @@
           <a:p>
             <a:fld id="{27BE458A-CC06-48BE-991B-B3ACDD14B597}" type="datetimeFigureOut">
               <a:rPr lang="en-US" smtClean="0"/>
-              <a:t>5/4/2021</a:t>
+              <a:t>11/14/2023</a:t>
             </a:fld>
             <a:endParaRPr lang="en-US"/>
           </a:p>
@@ -725,6 +726,90 @@
           <a:bodyPr/>
           <a:lstStyle/>
           <a:p>
+            <a:endParaRPr lang="en-US" dirty="0"/>
+          </a:p>
+        </p:txBody>
+      </p:sp>
+      <p:sp>
+        <p:nvSpPr>
+          <p:cNvPr id="4" name="Slide Number Placeholder 3"/>
+          <p:cNvSpPr>
+            <a:spLocks noGrp="1"/>
+          </p:cNvSpPr>
+          <p:nvPr>
+            <p:ph type="sldNum" sz="quarter" idx="5"/>
+          </p:nvPr>
+        </p:nvSpPr>
+        <p:spPr/>
+        <p:txBody>
+          <a:bodyPr/>
+          <a:lstStyle/>
+          <a:p>
+            <a:fld id="{72459E79-B3EA-453E-BDBA-60E25D7173B4}" type="slidenum">
+              <a:rPr lang="en-US" smtClean="0"/>
+              <a:t>1</a:t>
+            </a:fld>
+            <a:endParaRPr lang="en-US"/>
+          </a:p>
+        </p:txBody>
+      </p:sp>
+    </p:spTree>
+    <p:extLst>
+      <p:ext uri="{BB962C8B-B14F-4D97-AF65-F5344CB8AC3E}">
+        <p14:creationId xmlns:p14="http://schemas.microsoft.com/office/powerpoint/2010/main" val="287006873"/>
+      </p:ext>
+    </p:extLst>
+  </p:cSld>
+  <p:clrMapOvr>
+    <a:masterClrMapping/>
+  </p:clrMapOvr>
+</p:notes>
+</file>
+
+<file path=ppt/notesSlides/notesSlide2.xml><?xml version="1.0" encoding="utf-8"?>
+<p:notes xmlns:a="http://schemas.openxmlformats.org/drawingml/2006/main" xmlns:r="http://schemas.openxmlformats.org/officeDocument/2006/relationships" xmlns:p="http://schemas.openxmlformats.org/presentationml/2006/main">
+  <p:cSld>
+    <p:spTree>
+      <p:nvGrpSpPr>
+        <p:cNvPr id="1" name=""/>
+        <p:cNvGrpSpPr/>
+        <p:nvPr/>
+      </p:nvGrpSpPr>
+      <p:grpSpPr>
+        <a:xfrm>
+          <a:off x="0" y="0"/>
+          <a:ext cx="0" cy="0"/>
+          <a:chOff x="0" y="0"/>
+          <a:chExt cx="0" cy="0"/>
+        </a:xfrm>
+      </p:grpSpPr>
+      <p:sp>
+        <p:nvSpPr>
+          <p:cNvPr id="2" name="Slide Image Placeholder 1"/>
+          <p:cNvSpPr>
+            <a:spLocks noGrp="1" noRot="1" noChangeAspect="1"/>
+          </p:cNvSpPr>
+          <p:nvPr>
+            <p:ph type="sldImg"/>
+          </p:nvPr>
+        </p:nvSpPr>
+        <p:spPr/>
+      </p:sp>
+      <p:sp>
+        <p:nvSpPr>
+          <p:cNvPr id="3" name="Notes Placeholder 2"/>
+          <p:cNvSpPr>
+            <a:spLocks noGrp="1"/>
+          </p:cNvSpPr>
+          <p:nvPr>
+            <p:ph type="body" idx="1"/>
+          </p:nvPr>
+        </p:nvSpPr>
+        <p:spPr/>
+        <p:txBody>
+          <a:bodyPr/>
+          <a:lstStyle/>
+          <a:p>
             <a:pPr defTabSz="465887" eaLnBrk="0" fontAlgn="base" hangingPunct="0">
               <a:spcBef>
                 <a:spcPct val="30000"/>
@@ -765,7 +850,7 @@
             <a:fld id="{98CE57FA-0A3C-6C46-BF12-537121961852}" type="slidenum">
               <a:rPr lang="en-US" altLang="en-US" smtClean="0"/>
               <a:pPr/>
-              <a:t>13</a:t>
+              <a:t>12</a:t>
             </a:fld>
             <a:endParaRPr lang="en-US" altLang="en-US" dirty="0"/>
           </a:p>
@@ -784,7 +869,7 @@
 </p:notes>
 </file>
 
-<file path=ppt/notesSlides/notesSlide2.xml><?xml version="1.0" encoding="utf-8"?>
+<file path=ppt/notesSlides/notesSlide3.xml><?xml version="1.0" encoding="utf-8"?>
 <p:notes xmlns:a="http://schemas.openxmlformats.org/drawingml/2006/main" xmlns:r="http://schemas.openxmlformats.org/officeDocument/2006/relationships" xmlns:p="http://schemas.openxmlformats.org/presentationml/2006/main">
   <p:cSld>
     <p:spTree>
@@ -823,14 +908,14 @@
           </a:ln>
           <a:extLst>
             <a:ext uri="{909E8E84-426E-40dd-AFC4-6F175D3DCCD1}">
-              <a14:hiddenFill xmlns="" xmlns:a14="http://schemas.microsoft.com/office/drawing/2010/main">
+              <a14:hiddenFill xmlns:a14="http://schemas.microsoft.com/office/drawing/2010/main" xmlns="">
                 <a:solidFill>
                   <a:srgbClr val="FFFFFF"/>
                 </a:solidFill>
               </a14:hiddenFill>
             </a:ext>
             <a:ext uri="{FAA26D3D-D897-4be2-8F04-BA451C77F1D7}">
-              <ma14:placeholderFlag xmlns="" xmlns:ma14="http://schemas.microsoft.com/office/mac/drawingml/2011/main" val="1"/>
+              <ma14:placeholderFlag xmlns:ma14="http://schemas.microsoft.com/office/mac/drawingml/2011/main" xmlns="" val="1"/>
             </a:ext>
           </a:extLst>
         </p:spPr>
@@ -849,14 +934,14 @@
           <a:noFill/>
           <a:extLst>
             <a:ext uri="{909E8E84-426E-40dd-AFC4-6F175D3DCCD1}">
-              <a14:hiddenFill xmlns="" xmlns:a14="http://schemas.microsoft.com/office/drawing/2010/main">
+              <a14:hiddenFill xmlns:a14="http://schemas.microsoft.com/office/drawing/2010/main" xmlns="">
                 <a:solidFill>
                   <a:srgbClr val="FFFFFF"/>
                 </a:solidFill>
               </a14:hiddenFill>
             </a:ext>
             <a:ext uri="{91240B29-F687-4f45-9708-019B960494DF}">
-              <a14:hiddenLine xmlns="" xmlns:a14="http://schemas.microsoft.com/office/drawing/2010/main" w="9525">
+              <a14:hiddenLine xmlns:a14="http://schemas.microsoft.com/office/drawing/2010/main" xmlns="" w="9525">
                 <a:solidFill>
                   <a:srgbClr val="000000"/>
                 </a:solidFill>
@@ -918,14 +1003,14 @@
           <a:noFill/>
           <a:extLst>
             <a:ext uri="{909E8E84-426E-40dd-AFC4-6F175D3DCCD1}">
-              <a14:hiddenFill xmlns="" xmlns:a14="http://schemas.microsoft.com/office/drawing/2010/main">
+              <a14:hiddenFill xmlns:a14="http://schemas.microsoft.com/office/drawing/2010/main" xmlns="">
                 <a:solidFill>
                   <a:srgbClr val="FFFFFF"/>
                 </a:solidFill>
               </a14:hiddenFill>
             </a:ext>
             <a:ext uri="{91240B29-F687-4f45-9708-019B960494DF}">
-              <a14:hiddenLine xmlns="" xmlns:a14="http://schemas.microsoft.com/office/drawing/2010/main" w="9525">
+              <a14:hiddenLine xmlns:a14="http://schemas.microsoft.com/office/drawing/2010/main" xmlns="" w="9525">
                 <a:solidFill>
                   <a:srgbClr val="000000"/>
                 </a:solidFill>
@@ -1059,7 +1144,7 @@
             <a:fld id="{99AF7981-F699-1341-B5DA-FFD863F8BB42}" type="slidenum">
               <a:rPr lang="en-US" altLang="en-US" sz="1200"/>
               <a:pPr eaLnBrk="1" hangingPunct="1"/>
-              <a:t>14</a:t>
+              <a:t>13</a:t>
             </a:fld>
             <a:endParaRPr lang="en-US" altLang="en-US" sz="1200" dirty="0"/>
           </a:p>
@@ -1078,7 +1163,7 @@
 </p:notes>
 </file>
 
-<file path=ppt/notesSlides/notesSlide3.xml><?xml version="1.0" encoding="utf-8"?>
+<file path=ppt/notesSlides/notesSlide4.xml><?xml version="1.0" encoding="utf-8"?>
 <p:notes xmlns:a="http://schemas.openxmlformats.org/drawingml/2006/main" xmlns:r="http://schemas.openxmlformats.org/officeDocument/2006/relationships" xmlns:p="http://schemas.openxmlformats.org/presentationml/2006/main">
   <p:cSld>
     <p:spTree>
@@ -1162,7 +1247,7 @@
             <a:fld id="{98CE57FA-0A3C-6C46-BF12-537121961852}" type="slidenum">
               <a:rPr lang="en-US" altLang="en-US" smtClean="0"/>
               <a:pPr/>
-              <a:t>15</a:t>
+              <a:t>14</a:t>
             </a:fld>
             <a:endParaRPr lang="en-US" altLang="en-US" dirty="0"/>
           </a:p>
@@ -1315,7 +1400,7 @@
           <a:p>
             <a:fld id="{04C01D68-98F0-4413-A543-950947CC53F4}" type="datetime1">
               <a:rPr lang="en-US" smtClean="0"/>
-              <a:t>5/4/2021</a:t>
+              <a:t>11/14/2023</a:t>
             </a:fld>
             <a:endParaRPr lang="en-US"/>
           </a:p>
@@ -1472,7 +1557,7 @@
           <a:p>
             <a:fld id="{F5166586-FB24-4278-9591-82C4BBCDCA89}" type="datetime1">
               <a:rPr lang="en-US" smtClean="0"/>
-              <a:t>5/4/2021</a:t>
+              <a:t>11/14/2023</a:t>
             </a:fld>
             <a:endParaRPr lang="en-US"/>
           </a:p>
@@ -1666,7 +1751,7 @@
           <a:p>
             <a:fld id="{D5A5CA0D-3537-42D6-B0CE-3FBC0D012150}" type="datetime1">
               <a:rPr lang="en-US" smtClean="0"/>
-              <a:t>5/4/2021</a:t>
+              <a:t>11/14/2023</a:t>
             </a:fld>
             <a:endParaRPr lang="en-US"/>
           </a:p>
@@ -2149,7 +2234,7 @@
           <a:p>
             <a:fld id="{FDB3EDF1-F613-4DA2-A80A-754A6940B2FC}" type="datetime1">
               <a:rPr lang="en-US" smtClean="0"/>
-              <a:t>5/4/2021</a:t>
+              <a:t>11/14/2023</a:t>
             </a:fld>
             <a:endParaRPr lang="en-US"/>
           </a:p>
@@ -2394,7 +2479,7 @@
           <a:p>
             <a:fld id="{FD3B0033-72B4-4535-88FF-3AD028C99723}" type="datetime1">
               <a:rPr lang="en-US" smtClean="0"/>
-              <a:t>5/4/2021</a:t>
+              <a:t>11/14/2023</a:t>
             </a:fld>
             <a:endParaRPr lang="en-US"/>
           </a:p>
@@ -2774,7 +2859,7 @@
           <a:p>
             <a:fld id="{96B2EC89-E834-484E-B15B-8A782CBE7E42}" type="datetime1">
               <a:rPr lang="en-US" smtClean="0"/>
-              <a:t>5/4/2021</a:t>
+              <a:t>11/14/2023</a:t>
             </a:fld>
             <a:endParaRPr lang="en-US"/>
           </a:p>
@@ -2907,7 +2992,7 @@
           <a:p>
             <a:fld id="{B0BFDB64-FBD6-4851-B5A5-2376FDD55407}" type="datetime1">
               <a:rPr lang="en-US" smtClean="0"/>
-              <a:t>5/4/2021</a:t>
+              <a:t>11/14/2023</a:t>
             </a:fld>
             <a:endParaRPr lang="en-US"/>
           </a:p>
@@ -3018,7 +3103,7 @@
           <a:p>
             <a:fld id="{A796691A-4010-4E41-AAA5-8BA8423BEAFA}" type="datetime1">
               <a:rPr lang="en-US" smtClean="0"/>
-              <a:t>5/4/2021</a:t>
+              <a:t>11/14/2023</a:t>
             </a:fld>
             <a:endParaRPr lang="en-US"/>
           </a:p>
@@ -3309,7 +3394,7 @@
           <a:p>
             <a:fld id="{19A26292-8CED-46F0-BBB1-1BA0D2A33D09}" type="datetime1">
               <a:rPr lang="en-US" smtClean="0"/>
-              <a:t>5/4/2021</a:t>
+              <a:t>11/14/2023</a:t>
             </a:fld>
             <a:endParaRPr lang="en-US"/>
           </a:p>
@@ -3577,7 +3662,7 @@
           <a:p>
             <a:fld id="{961AD9AB-7BFD-44AF-B1FE-05602162B8C3}" type="datetime1">
               <a:rPr lang="en-US" smtClean="0"/>
-              <a:t>5/4/2021</a:t>
+              <a:t>11/14/2023</a:t>
             </a:fld>
             <a:endParaRPr lang="en-US"/>
           </a:p>
@@ -3804,7 +3889,7 @@
           <a:p>
             <a:fld id="{475570EF-A0EC-4C7C-9082-FFE56C4913AF}" type="datetime1">
               <a:rPr lang="en-US" smtClean="0"/>
-              <a:t>5/4/2021</a:t>
+              <a:t>11/14/2023</a:t>
             </a:fld>
             <a:endParaRPr lang="en-US"/>
           </a:p>
@@ -4250,7 +4335,7 @@
       </p:sp>
       <mc:AlternateContent xmlns:mc="http://schemas.openxmlformats.org/markup-compatibility/2006" xmlns:p14="http://schemas.microsoft.com/office/powerpoint/2010/main">
         <mc:Choice Requires="p14">
-          <p:contentPart p14:bwMode="auto" r:id="rId2">
+          <p:contentPart p14:bwMode="auto" r:id="rId3">
             <p14:nvContentPartPr>
               <p14:cNvPr id="19" name="Ink 18">
                 <a:extLst>
@@ -4282,7 +4367,7 @@
               <p:nvPr/>
             </p:nvPicPr>
             <p:blipFill>
-              <a:blip r:embed="rId3"/>
+              <a:blip r:embed="rId4"/>
               <a:stretch>
                 <a:fillRect/>
               </a:stretch>
@@ -4346,64 +4431,7 @@
           <a:p>
             <a:r>
               <a:rPr lang="en-US" dirty="0"/>
-              <a:t>Ensemble Methods: Random Forest – power in numbers </a:t>
-            </a:r>
-          </a:p>
-        </p:txBody>
-      </p:sp>
-      <p:sp>
-        <p:nvSpPr>
-          <p:cNvPr id="3" name="Content Placeholder 2"/>
-          <p:cNvSpPr>
-            <a:spLocks noGrp="1"/>
-          </p:cNvSpPr>
-          <p:nvPr>
-            <p:ph idx="1"/>
-          </p:nvPr>
-        </p:nvSpPr>
-        <p:spPr>
-          <a:xfrm>
-            <a:off x="-1" y="731520"/>
-            <a:ext cx="11849911" cy="5440680"/>
-          </a:xfrm>
-        </p:spPr>
-        <p:txBody>
-          <a:bodyPr>
-            <a:normAutofit/>
-          </a:bodyPr>
-          <a:lstStyle/>
-          <a:p>
-            <a:r>
-              <a:rPr lang="en-US" dirty="0"/>
-              <a:t> Ensemble methods – Essentially instead of building a single tree we are going to build a whole bunch</a:t>
-            </a:r>
-          </a:p>
-          <a:p>
-            <a:r>
-              <a:rPr lang="en-US" dirty="0"/>
-              <a:t> We can limit the growth of the trees but don’t have to use any of the hyper-parameters </a:t>
-            </a:r>
-          </a:p>
-          <a:p>
-            <a:r>
-              <a:rPr lang="en-US" dirty="0"/>
-              <a:t> Set the number of trees grown and track the error classification rate of our algorithm </a:t>
-            </a:r>
-          </a:p>
-          <a:p>
-            <a:r>
-              <a:rPr lang="en-US" dirty="0"/>
-              <a:t> Can be used for again for both Regression or Classification</a:t>
-            </a:r>
-          </a:p>
-          <a:p>
-            <a:r>
-              <a:rPr lang="en-US" dirty="0"/>
-              <a:t> Random Forest uses a combination of </a:t>
-            </a:r>
-            <a:r>
-              <a:rPr lang="en-US" b="1" dirty="0"/>
-              <a:t>bagging and boosting</a:t>
+              <a:t>Ensemble Methods:</a:t>
             </a:r>
           </a:p>
         </p:txBody>
@@ -4426,632 +4454,6 @@
             <a:fld id="{5ACD0CF0-90CC-9C41-A77B-2776398A8C8B}" type="slidenum">
               <a:rPr lang="en-US" smtClean="0"/>
               <a:t>10</a:t>
-            </a:fld>
-            <a:endParaRPr lang="en-US" dirty="0"/>
-          </a:p>
-        </p:txBody>
-      </p:sp>
-    </p:spTree>
-    <p:extLst>
-      <p:ext uri="{BB962C8B-B14F-4D97-AF65-F5344CB8AC3E}">
-        <p14:creationId xmlns:p14="http://schemas.microsoft.com/office/powerpoint/2010/main" val="3470332995"/>
-      </p:ext>
-    </p:extLst>
-  </p:cSld>
-  <p:clrMapOvr>
-    <a:masterClrMapping/>
-  </p:clrMapOvr>
-  <p:timing>
-    <p:tnLst>
-      <p:par>
-        <p:cTn id="1" dur="indefinite" restart="never" nodeType="tmRoot">
-          <p:childTnLst>
-            <p:seq concurrent="1" nextAc="seek">
-              <p:cTn id="2" dur="indefinite" nodeType="mainSeq">
-                <p:childTnLst>
-                  <p:par>
-                    <p:cTn id="3" fill="hold">
-                      <p:stCondLst>
-                        <p:cond delay="indefinite"/>
-                      </p:stCondLst>
-                      <p:childTnLst>
-                        <p:par>
-                          <p:cTn id="4" fill="hold">
-                            <p:stCondLst>
-                              <p:cond delay="0"/>
-                            </p:stCondLst>
-                            <p:childTnLst>
-                              <p:par>
-                                <p:cTn id="5" presetID="42" presetClass="entr" presetSubtype="0" fill="hold" nodeType="clickEffect">
-                                  <p:stCondLst>
-                                    <p:cond delay="0"/>
-                                  </p:stCondLst>
-                                  <p:childTnLst>
-                                    <p:set>
-                                      <p:cBhvr>
-                                        <p:cTn id="6" dur="1" fill="hold">
-                                          <p:stCondLst>
-                                            <p:cond delay="0"/>
-                                          </p:stCondLst>
-                                        </p:cTn>
-                                        <p:tgtEl>
-                                          <p:spTgt spid="3">
-                                            <p:txEl>
-                                              <p:pRg st="0" end="0"/>
-                                            </p:txEl>
-                                          </p:spTgt>
-                                        </p:tgtEl>
-                                        <p:attrNameLst>
-                                          <p:attrName>style.visibility</p:attrName>
-                                        </p:attrNameLst>
-                                      </p:cBhvr>
-                                      <p:to>
-                                        <p:strVal val="visible"/>
-                                      </p:to>
-                                    </p:set>
-                                    <p:animEffect transition="in" filter="fade">
-                                      <p:cBhvr>
-                                        <p:cTn id="7" dur="1000"/>
-                                        <p:tgtEl>
-                                          <p:spTgt spid="3">
-                                            <p:txEl>
-                                              <p:pRg st="0" end="0"/>
-                                            </p:txEl>
-                                          </p:spTgt>
-                                        </p:tgtEl>
-                                      </p:cBhvr>
-                                    </p:animEffect>
-                                    <p:anim calcmode="lin" valueType="num">
-                                      <p:cBhvr>
-                                        <p:cTn id="8" dur="1000" fill="hold"/>
-                                        <p:tgtEl>
-                                          <p:spTgt spid="3">
-                                            <p:txEl>
-                                              <p:pRg st="0" end="0"/>
-                                            </p:txEl>
-                                          </p:spTgt>
-                                        </p:tgtEl>
-                                        <p:attrNameLst>
-                                          <p:attrName>ppt_x</p:attrName>
-                                        </p:attrNameLst>
-                                      </p:cBhvr>
-                                      <p:tavLst>
-                                        <p:tav tm="0">
-                                          <p:val>
-                                            <p:strVal val="#ppt_x"/>
-                                          </p:val>
-                                        </p:tav>
-                                        <p:tav tm="100000">
-                                          <p:val>
-                                            <p:strVal val="#ppt_x"/>
-                                          </p:val>
-                                        </p:tav>
-                                      </p:tavLst>
-                                    </p:anim>
-                                    <p:anim calcmode="lin" valueType="num">
-                                      <p:cBhvr>
-                                        <p:cTn id="9" dur="1000" fill="hold"/>
-                                        <p:tgtEl>
-                                          <p:spTgt spid="3">
-                                            <p:txEl>
-                                              <p:pRg st="0" end="0"/>
-                                            </p:txEl>
-                                          </p:spTgt>
-                                        </p:tgtEl>
-                                        <p:attrNameLst>
-                                          <p:attrName>ppt_y</p:attrName>
-                                        </p:attrNameLst>
-                                      </p:cBhvr>
-                                      <p:tavLst>
-                                        <p:tav tm="0">
-                                          <p:val>
-                                            <p:strVal val="#ppt_y+.1"/>
-                                          </p:val>
-                                        </p:tav>
-                                        <p:tav tm="100000">
-                                          <p:val>
-                                            <p:strVal val="#ppt_y"/>
-                                          </p:val>
-                                        </p:tav>
-                                      </p:tavLst>
-                                    </p:anim>
-                                  </p:childTnLst>
-                                </p:cTn>
-                              </p:par>
-                            </p:childTnLst>
-                          </p:cTn>
-                        </p:par>
-                      </p:childTnLst>
-                    </p:cTn>
-                  </p:par>
-                  <p:par>
-                    <p:cTn id="10" fill="hold">
-                      <p:stCondLst>
-                        <p:cond delay="indefinite"/>
-                      </p:stCondLst>
-                      <p:childTnLst>
-                        <p:par>
-                          <p:cTn id="11" fill="hold">
-                            <p:stCondLst>
-                              <p:cond delay="0"/>
-                            </p:stCondLst>
-                            <p:childTnLst>
-                              <p:par>
-                                <p:cTn id="12" presetID="42" presetClass="entr" presetSubtype="0" fill="hold" nodeType="clickEffect">
-                                  <p:stCondLst>
-                                    <p:cond delay="0"/>
-                                  </p:stCondLst>
-                                  <p:childTnLst>
-                                    <p:set>
-                                      <p:cBhvr>
-                                        <p:cTn id="13" dur="1" fill="hold">
-                                          <p:stCondLst>
-                                            <p:cond delay="0"/>
-                                          </p:stCondLst>
-                                        </p:cTn>
-                                        <p:tgtEl>
-                                          <p:spTgt spid="3">
-                                            <p:txEl>
-                                              <p:pRg st="1" end="1"/>
-                                            </p:txEl>
-                                          </p:spTgt>
-                                        </p:tgtEl>
-                                        <p:attrNameLst>
-                                          <p:attrName>style.visibility</p:attrName>
-                                        </p:attrNameLst>
-                                      </p:cBhvr>
-                                      <p:to>
-                                        <p:strVal val="visible"/>
-                                      </p:to>
-                                    </p:set>
-                                    <p:animEffect transition="in" filter="fade">
-                                      <p:cBhvr>
-                                        <p:cTn id="14" dur="1000"/>
-                                        <p:tgtEl>
-                                          <p:spTgt spid="3">
-                                            <p:txEl>
-                                              <p:pRg st="1" end="1"/>
-                                            </p:txEl>
-                                          </p:spTgt>
-                                        </p:tgtEl>
-                                      </p:cBhvr>
-                                    </p:animEffect>
-                                    <p:anim calcmode="lin" valueType="num">
-                                      <p:cBhvr>
-                                        <p:cTn id="15" dur="1000" fill="hold"/>
-                                        <p:tgtEl>
-                                          <p:spTgt spid="3">
-                                            <p:txEl>
-                                              <p:pRg st="1" end="1"/>
-                                            </p:txEl>
-                                          </p:spTgt>
-                                        </p:tgtEl>
-                                        <p:attrNameLst>
-                                          <p:attrName>ppt_x</p:attrName>
-                                        </p:attrNameLst>
-                                      </p:cBhvr>
-                                      <p:tavLst>
-                                        <p:tav tm="0">
-                                          <p:val>
-                                            <p:strVal val="#ppt_x"/>
-                                          </p:val>
-                                        </p:tav>
-                                        <p:tav tm="100000">
-                                          <p:val>
-                                            <p:strVal val="#ppt_x"/>
-                                          </p:val>
-                                        </p:tav>
-                                      </p:tavLst>
-                                    </p:anim>
-                                    <p:anim calcmode="lin" valueType="num">
-                                      <p:cBhvr>
-                                        <p:cTn id="16" dur="1000" fill="hold"/>
-                                        <p:tgtEl>
-                                          <p:spTgt spid="3">
-                                            <p:txEl>
-                                              <p:pRg st="1" end="1"/>
-                                            </p:txEl>
-                                          </p:spTgt>
-                                        </p:tgtEl>
-                                        <p:attrNameLst>
-                                          <p:attrName>ppt_y</p:attrName>
-                                        </p:attrNameLst>
-                                      </p:cBhvr>
-                                      <p:tavLst>
-                                        <p:tav tm="0">
-                                          <p:val>
-                                            <p:strVal val="#ppt_y+.1"/>
-                                          </p:val>
-                                        </p:tav>
-                                        <p:tav tm="100000">
-                                          <p:val>
-                                            <p:strVal val="#ppt_y"/>
-                                          </p:val>
-                                        </p:tav>
-                                      </p:tavLst>
-                                    </p:anim>
-                                  </p:childTnLst>
-                                </p:cTn>
-                              </p:par>
-                            </p:childTnLst>
-                          </p:cTn>
-                        </p:par>
-                      </p:childTnLst>
-                    </p:cTn>
-                  </p:par>
-                  <p:par>
-                    <p:cTn id="17" fill="hold">
-                      <p:stCondLst>
-                        <p:cond delay="indefinite"/>
-                      </p:stCondLst>
-                      <p:childTnLst>
-                        <p:par>
-                          <p:cTn id="18" fill="hold">
-                            <p:stCondLst>
-                              <p:cond delay="0"/>
-                            </p:stCondLst>
-                            <p:childTnLst>
-                              <p:par>
-                                <p:cTn id="19" presetID="42" presetClass="entr" presetSubtype="0" fill="hold" nodeType="clickEffect">
-                                  <p:stCondLst>
-                                    <p:cond delay="0"/>
-                                  </p:stCondLst>
-                                  <p:childTnLst>
-                                    <p:set>
-                                      <p:cBhvr>
-                                        <p:cTn id="20" dur="1" fill="hold">
-                                          <p:stCondLst>
-                                            <p:cond delay="0"/>
-                                          </p:stCondLst>
-                                        </p:cTn>
-                                        <p:tgtEl>
-                                          <p:spTgt spid="3">
-                                            <p:txEl>
-                                              <p:pRg st="2" end="2"/>
-                                            </p:txEl>
-                                          </p:spTgt>
-                                        </p:tgtEl>
-                                        <p:attrNameLst>
-                                          <p:attrName>style.visibility</p:attrName>
-                                        </p:attrNameLst>
-                                      </p:cBhvr>
-                                      <p:to>
-                                        <p:strVal val="visible"/>
-                                      </p:to>
-                                    </p:set>
-                                    <p:animEffect transition="in" filter="fade">
-                                      <p:cBhvr>
-                                        <p:cTn id="21" dur="1000"/>
-                                        <p:tgtEl>
-                                          <p:spTgt spid="3">
-                                            <p:txEl>
-                                              <p:pRg st="2" end="2"/>
-                                            </p:txEl>
-                                          </p:spTgt>
-                                        </p:tgtEl>
-                                      </p:cBhvr>
-                                    </p:animEffect>
-                                    <p:anim calcmode="lin" valueType="num">
-                                      <p:cBhvr>
-                                        <p:cTn id="22" dur="1000" fill="hold"/>
-                                        <p:tgtEl>
-                                          <p:spTgt spid="3">
-                                            <p:txEl>
-                                              <p:pRg st="2" end="2"/>
-                                            </p:txEl>
-                                          </p:spTgt>
-                                        </p:tgtEl>
-                                        <p:attrNameLst>
-                                          <p:attrName>ppt_x</p:attrName>
-                                        </p:attrNameLst>
-                                      </p:cBhvr>
-                                      <p:tavLst>
-                                        <p:tav tm="0">
-                                          <p:val>
-                                            <p:strVal val="#ppt_x"/>
-                                          </p:val>
-                                        </p:tav>
-                                        <p:tav tm="100000">
-                                          <p:val>
-                                            <p:strVal val="#ppt_x"/>
-                                          </p:val>
-                                        </p:tav>
-                                      </p:tavLst>
-                                    </p:anim>
-                                    <p:anim calcmode="lin" valueType="num">
-                                      <p:cBhvr>
-                                        <p:cTn id="23" dur="1000" fill="hold"/>
-                                        <p:tgtEl>
-                                          <p:spTgt spid="3">
-                                            <p:txEl>
-                                              <p:pRg st="2" end="2"/>
-                                            </p:txEl>
-                                          </p:spTgt>
-                                        </p:tgtEl>
-                                        <p:attrNameLst>
-                                          <p:attrName>ppt_y</p:attrName>
-                                        </p:attrNameLst>
-                                      </p:cBhvr>
-                                      <p:tavLst>
-                                        <p:tav tm="0">
-                                          <p:val>
-                                            <p:strVal val="#ppt_y+.1"/>
-                                          </p:val>
-                                        </p:tav>
-                                        <p:tav tm="100000">
-                                          <p:val>
-                                            <p:strVal val="#ppt_y"/>
-                                          </p:val>
-                                        </p:tav>
-                                      </p:tavLst>
-                                    </p:anim>
-                                  </p:childTnLst>
-                                </p:cTn>
-                              </p:par>
-                            </p:childTnLst>
-                          </p:cTn>
-                        </p:par>
-                      </p:childTnLst>
-                    </p:cTn>
-                  </p:par>
-                  <p:par>
-                    <p:cTn id="24" fill="hold">
-                      <p:stCondLst>
-                        <p:cond delay="indefinite"/>
-                      </p:stCondLst>
-                      <p:childTnLst>
-                        <p:par>
-                          <p:cTn id="25" fill="hold">
-                            <p:stCondLst>
-                              <p:cond delay="0"/>
-                            </p:stCondLst>
-                            <p:childTnLst>
-                              <p:par>
-                                <p:cTn id="26" presetID="42" presetClass="entr" presetSubtype="0" fill="hold" nodeType="clickEffect">
-                                  <p:stCondLst>
-                                    <p:cond delay="0"/>
-                                  </p:stCondLst>
-                                  <p:childTnLst>
-                                    <p:set>
-                                      <p:cBhvr>
-                                        <p:cTn id="27" dur="1" fill="hold">
-                                          <p:stCondLst>
-                                            <p:cond delay="0"/>
-                                          </p:stCondLst>
-                                        </p:cTn>
-                                        <p:tgtEl>
-                                          <p:spTgt spid="3">
-                                            <p:txEl>
-                                              <p:pRg st="3" end="3"/>
-                                            </p:txEl>
-                                          </p:spTgt>
-                                        </p:tgtEl>
-                                        <p:attrNameLst>
-                                          <p:attrName>style.visibility</p:attrName>
-                                        </p:attrNameLst>
-                                      </p:cBhvr>
-                                      <p:to>
-                                        <p:strVal val="visible"/>
-                                      </p:to>
-                                    </p:set>
-                                    <p:animEffect transition="in" filter="fade">
-                                      <p:cBhvr>
-                                        <p:cTn id="28" dur="1000"/>
-                                        <p:tgtEl>
-                                          <p:spTgt spid="3">
-                                            <p:txEl>
-                                              <p:pRg st="3" end="3"/>
-                                            </p:txEl>
-                                          </p:spTgt>
-                                        </p:tgtEl>
-                                      </p:cBhvr>
-                                    </p:animEffect>
-                                    <p:anim calcmode="lin" valueType="num">
-                                      <p:cBhvr>
-                                        <p:cTn id="29" dur="1000" fill="hold"/>
-                                        <p:tgtEl>
-                                          <p:spTgt spid="3">
-                                            <p:txEl>
-                                              <p:pRg st="3" end="3"/>
-                                            </p:txEl>
-                                          </p:spTgt>
-                                        </p:tgtEl>
-                                        <p:attrNameLst>
-                                          <p:attrName>ppt_x</p:attrName>
-                                        </p:attrNameLst>
-                                      </p:cBhvr>
-                                      <p:tavLst>
-                                        <p:tav tm="0">
-                                          <p:val>
-                                            <p:strVal val="#ppt_x"/>
-                                          </p:val>
-                                        </p:tav>
-                                        <p:tav tm="100000">
-                                          <p:val>
-                                            <p:strVal val="#ppt_x"/>
-                                          </p:val>
-                                        </p:tav>
-                                      </p:tavLst>
-                                    </p:anim>
-                                    <p:anim calcmode="lin" valueType="num">
-                                      <p:cBhvr>
-                                        <p:cTn id="30" dur="1000" fill="hold"/>
-                                        <p:tgtEl>
-                                          <p:spTgt spid="3">
-                                            <p:txEl>
-                                              <p:pRg st="3" end="3"/>
-                                            </p:txEl>
-                                          </p:spTgt>
-                                        </p:tgtEl>
-                                        <p:attrNameLst>
-                                          <p:attrName>ppt_y</p:attrName>
-                                        </p:attrNameLst>
-                                      </p:cBhvr>
-                                      <p:tavLst>
-                                        <p:tav tm="0">
-                                          <p:val>
-                                            <p:strVal val="#ppt_y+.1"/>
-                                          </p:val>
-                                        </p:tav>
-                                        <p:tav tm="100000">
-                                          <p:val>
-                                            <p:strVal val="#ppt_y"/>
-                                          </p:val>
-                                        </p:tav>
-                                      </p:tavLst>
-                                    </p:anim>
-                                  </p:childTnLst>
-                                </p:cTn>
-                              </p:par>
-                            </p:childTnLst>
-                          </p:cTn>
-                        </p:par>
-                      </p:childTnLst>
-                    </p:cTn>
-                  </p:par>
-                  <p:par>
-                    <p:cTn id="31" fill="hold">
-                      <p:stCondLst>
-                        <p:cond delay="indefinite"/>
-                      </p:stCondLst>
-                      <p:childTnLst>
-                        <p:par>
-                          <p:cTn id="32" fill="hold">
-                            <p:stCondLst>
-                              <p:cond delay="0"/>
-                            </p:stCondLst>
-                            <p:childTnLst>
-                              <p:par>
-                                <p:cTn id="33" presetID="16" presetClass="entr" presetSubtype="21" fill="hold" nodeType="clickEffect">
-                                  <p:stCondLst>
-                                    <p:cond delay="0"/>
-                                  </p:stCondLst>
-                                  <p:childTnLst>
-                                    <p:set>
-                                      <p:cBhvr>
-                                        <p:cTn id="34" dur="1" fill="hold">
-                                          <p:stCondLst>
-                                            <p:cond delay="0"/>
-                                          </p:stCondLst>
-                                        </p:cTn>
-                                        <p:tgtEl>
-                                          <p:spTgt spid="3">
-                                            <p:txEl>
-                                              <p:pRg st="4" end="4"/>
-                                            </p:txEl>
-                                          </p:spTgt>
-                                        </p:tgtEl>
-                                        <p:attrNameLst>
-                                          <p:attrName>style.visibility</p:attrName>
-                                        </p:attrNameLst>
-                                      </p:cBhvr>
-                                      <p:to>
-                                        <p:strVal val="visible"/>
-                                      </p:to>
-                                    </p:set>
-                                    <p:animEffect transition="in" filter="barn(inVertical)">
-                                      <p:cBhvr>
-                                        <p:cTn id="35" dur="500"/>
-                                        <p:tgtEl>
-                                          <p:spTgt spid="3">
-                                            <p:txEl>
-                                              <p:pRg st="4" end="4"/>
-                                            </p:txEl>
-                                          </p:spTgt>
-                                        </p:tgtEl>
-                                      </p:cBhvr>
-                                    </p:animEffect>
-                                  </p:childTnLst>
-                                </p:cTn>
-                              </p:par>
-                            </p:childTnLst>
-                          </p:cTn>
-                        </p:par>
-                      </p:childTnLst>
-                    </p:cTn>
-                  </p:par>
-                </p:childTnLst>
-              </p:cTn>
-              <p:prevCondLst>
-                <p:cond evt="onPrev" delay="0">
-                  <p:tgtEl>
-                    <p:sldTgt/>
-                  </p:tgtEl>
-                </p:cond>
-              </p:prevCondLst>
-              <p:nextCondLst>
-                <p:cond evt="onNext" delay="0">
-                  <p:tgtEl>
-                    <p:sldTgt/>
-                  </p:tgtEl>
-                </p:cond>
-              </p:nextCondLst>
-            </p:seq>
-          </p:childTnLst>
-        </p:cTn>
-      </p:par>
-    </p:tnLst>
-  </p:timing>
-</p:sld>
-</file>
-
-<file path=ppt/slides/slide11.xml><?xml version="1.0" encoding="utf-8"?>
-<p:sld xmlns:a="http://schemas.openxmlformats.org/drawingml/2006/main" xmlns:r="http://schemas.openxmlformats.org/officeDocument/2006/relationships" xmlns:p="http://schemas.openxmlformats.org/presentationml/2006/main">
-  <p:cSld>
-    <p:spTree>
-      <p:nvGrpSpPr>
-        <p:cNvPr id="1" name=""/>
-        <p:cNvGrpSpPr/>
-        <p:nvPr/>
-      </p:nvGrpSpPr>
-      <p:grpSpPr>
-        <a:xfrm>
-          <a:off x="0" y="0"/>
-          <a:ext cx="0" cy="0"/>
-          <a:chOff x="0" y="0"/>
-          <a:chExt cx="0" cy="0"/>
-        </a:xfrm>
-      </p:grpSpPr>
-      <p:sp>
-        <p:nvSpPr>
-          <p:cNvPr id="2" name="Title 1"/>
-          <p:cNvSpPr>
-            <a:spLocks noGrp="1"/>
-          </p:cNvSpPr>
-          <p:nvPr>
-            <p:ph type="title"/>
-          </p:nvPr>
-        </p:nvSpPr>
-        <p:spPr/>
-        <p:txBody>
-          <a:bodyPr/>
-          <a:lstStyle/>
-          <a:p>
-            <a:r>
-              <a:rPr lang="en-US" dirty="0"/>
-              <a:t>Ensemble Methods:</a:t>
-            </a:r>
-          </a:p>
-        </p:txBody>
-      </p:sp>
-      <p:sp>
-        <p:nvSpPr>
-          <p:cNvPr id="5" name="Slide Number Placeholder 4"/>
-          <p:cNvSpPr>
-            <a:spLocks noGrp="1"/>
-          </p:cNvSpPr>
-          <p:nvPr>
-            <p:ph type="sldNum" sz="quarter" idx="12"/>
-          </p:nvPr>
-        </p:nvSpPr>
-        <p:spPr/>
-        <p:txBody>
-          <a:bodyPr/>
-          <a:lstStyle/>
-          <a:p>
-            <a:fld id="{5ACD0CF0-90CC-9C41-A77B-2776398A8C8B}" type="slidenum">
-              <a:rPr lang="en-US" smtClean="0"/>
-              <a:t>11</a:t>
             </a:fld>
             <a:endParaRPr lang="en-US" dirty="0"/>
           </a:p>
@@ -5142,7 +4544,7 @@
                 <a:latin typeface="Lato Light" charset="0"/>
                 <a:ea typeface="ＭＳ Ｐゴシック" charset="-128"/>
               </a:rPr>
-              <a:t>Grow a whole bunch of tress and use distribution of results to make predictions.  </a:t>
+              <a:t> Grow a whole bunch of tress and use distribution of results to make predictions.  </a:t>
             </a:r>
           </a:p>
           <a:p>
@@ -5222,7 +4624,7 @@
 </p:sld>
 </file>
 
-<file path=ppt/slides/slide12.xml><?xml version="1.0" encoding="utf-8"?>
+<file path=ppt/slides/slide11.xml><?xml version="1.0" encoding="utf-8"?>
 <p:sld xmlns:a="http://schemas.openxmlformats.org/drawingml/2006/main" xmlns:r="http://schemas.openxmlformats.org/officeDocument/2006/relationships" xmlns:p="http://schemas.openxmlformats.org/presentationml/2006/main">
   <p:cSld>
     <p:spTree>
@@ -5336,7 +4738,7 @@
           <a:p>
             <a:fld id="{5ACD0CF0-90CC-9C41-A77B-2776398A8C8B}" type="slidenum">
               <a:rPr lang="en-US" smtClean="0"/>
-              <a:t>12</a:t>
+              <a:t>11</a:t>
             </a:fld>
             <a:endParaRPr lang="en-US" dirty="0"/>
           </a:p>
@@ -14585,7 +13987,7 @@
 </p:sld>
 </file>
 
-<file path=ppt/slides/slide13.xml><?xml version="1.0" encoding="utf-8"?>
+<file path=ppt/slides/slide12.xml><?xml version="1.0" encoding="utf-8"?>
 <p:sld xmlns:a="http://schemas.openxmlformats.org/drawingml/2006/main" xmlns:r="http://schemas.openxmlformats.org/officeDocument/2006/relationships" xmlns:p="http://schemas.openxmlformats.org/presentationml/2006/main">
   <p:cSld>
     <p:spTree>
@@ -19575,7 +18977,7 @@
                 <a:cs typeface="Lato Light"/>
               </a:rPr>
               <a:pPr algn="r"/>
-              <a:t>13</a:t>
+              <a:t>12</a:t>
             </a:fld>
             <a:endParaRPr lang="en-US" dirty="0">
               <a:latin typeface="Lato Light"/>
@@ -19597,7 +18999,7 @@
 </p:sld>
 </file>
 
-<file path=ppt/slides/slide14.xml><?xml version="1.0" encoding="utf-8"?>
+<file path=ppt/slides/slide13.xml><?xml version="1.0" encoding="utf-8"?>
 <p:sld xmlns:a="http://schemas.openxmlformats.org/drawingml/2006/main" xmlns:r="http://schemas.openxmlformats.org/officeDocument/2006/relationships" xmlns:p="http://schemas.openxmlformats.org/presentationml/2006/main">
   <p:cSld>
     <p:spTree>
@@ -24283,7 +23685,7 @@
                 <a:cs typeface="Lato Light"/>
               </a:rPr>
               <a:pPr algn="r"/>
-              <a:t>14</a:t>
+              <a:t>13</a:t>
             </a:fld>
             <a:endParaRPr lang="en-US" dirty="0">
               <a:latin typeface="Lato Light"/>
@@ -24305,7 +23707,7 @@
 </p:sld>
 </file>
 
-<file path=ppt/slides/slide15.xml><?xml version="1.0" encoding="utf-8"?>
+<file path=ppt/slides/slide14.xml><?xml version="1.0" encoding="utf-8"?>
 <p:sld xmlns:a="http://schemas.openxmlformats.org/drawingml/2006/main" xmlns:r="http://schemas.openxmlformats.org/officeDocument/2006/relationships" xmlns:p="http://schemas.openxmlformats.org/presentationml/2006/main">
   <p:cSld>
     <p:spTree>
@@ -28974,7 +28376,7 @@
                 <a:cs typeface="Lato Light"/>
               </a:rPr>
               <a:pPr algn="r"/>
-              <a:t>15</a:t>
+              <a:t>14</a:t>
             </a:fld>
             <a:endParaRPr lang="en-US" dirty="0">
               <a:latin typeface="Lato Light"/>
@@ -28996,7 +28398,7 @@
 </p:sld>
 </file>
 
-<file path=ppt/slides/slide16.xml><?xml version="1.0" encoding="utf-8"?>
+<file path=ppt/slides/slide15.xml><?xml version="1.0" encoding="utf-8"?>
 <p:sld xmlns:a="http://schemas.openxmlformats.org/drawingml/2006/main" xmlns:r="http://schemas.openxmlformats.org/officeDocument/2006/relationships" xmlns:p="http://schemas.openxmlformats.org/presentationml/2006/main">
   <p:cSld>
     <p:spTree>
@@ -29052,7 +28454,7 @@
           <a:p>
             <a:fld id="{5ACD0CF0-90CC-9C41-A77B-2776398A8C8B}" type="slidenum">
               <a:rPr lang="en-US" smtClean="0"/>
-              <a:t>16</a:t>
+              <a:t>15</a:t>
             </a:fld>
             <a:endParaRPr lang="en-US" dirty="0"/>
           </a:p>
@@ -29225,7 +28627,7 @@
 </p:sld>
 </file>
 
-<file path=ppt/slides/slide17.xml><?xml version="1.0" encoding="utf-8"?>
+<file path=ppt/slides/slide16.xml><?xml version="1.0" encoding="utf-8"?>
 <p:sld xmlns:a="http://schemas.openxmlformats.org/drawingml/2006/main" xmlns:r="http://schemas.openxmlformats.org/officeDocument/2006/relationships" xmlns:p="http://schemas.openxmlformats.org/presentationml/2006/main">
   <p:cSld>
     <p:spTree>
@@ -29281,7 +28683,7 @@
           <a:p>
             <a:fld id="{5ACD0CF0-90CC-9C41-A77B-2776398A8C8B}" type="slidenum">
               <a:rPr lang="en-US" smtClean="0"/>
-              <a:t>17</a:t>
+              <a:t>16</a:t>
             </a:fld>
             <a:endParaRPr lang="en-US" dirty="0"/>
           </a:p>
@@ -29299,8 +28701,8 @@
         </p:nvSpPr>
         <p:spPr>
           <a:xfrm>
-            <a:off x="80554" y="805520"/>
-            <a:ext cx="11825696" cy="3392854"/>
+            <a:off x="80554" y="805519"/>
+            <a:ext cx="11825696" cy="4810089"/>
           </a:xfrm>
         </p:spPr>
         <p:txBody>
@@ -29338,7 +28740,7 @@
                 <a:latin typeface="Lato Light" charset="0"/>
                 <a:ea typeface="ＭＳ Ｐゴシック" charset="-128"/>
               </a:rPr>
-              <a:t> Random Forest – Is technically a “bagging” model but it uses random bootstrapped samples to model fit that includes reductions in the feature space. </a:t>
+              <a:t> Random Forest – Is technically a “bagging” model as it uses random bootstrapped samples to model fit that includes reductions in the feature space. </a:t>
             </a:r>
           </a:p>
           <a:p>
@@ -29358,8 +28760,17 @@
                 <a:latin typeface="Lato Light" charset="0"/>
                 <a:ea typeface="ＭＳ Ｐゴシック" charset="-128"/>
               </a:rPr>
-              <a:t> Draws random subsets of features – Mostly Boosting – Reduces Bias </a:t>
+              <a:t> Draws random subsets of features – Kinda Boosting – Reduces Bias </a:t>
             </a:r>
+          </a:p>
+          <a:p>
+            <a:pPr marL="457200" lvl="1" indent="0">
+              <a:buNone/>
+            </a:pPr>
+            <a:endParaRPr lang="en-US" altLang="en-US" dirty="0">
+              <a:latin typeface="Lato Light" charset="0"/>
+              <a:ea typeface="ＭＳ Ｐゴシック" charset="-128"/>
+            </a:endParaRPr>
           </a:p>
           <a:p>
             <a:r>
@@ -29377,21 +28788,51 @@
                 <a:latin typeface="Lato Light" charset="0"/>
                 <a:ea typeface="ＭＳ Ｐゴシック" charset="-128"/>
               </a:rPr>
-              <a:t> The main tuning parameter by </a:t>
+              <a:t> The main tuning parameters are:</a:t>
+            </a:r>
+          </a:p>
+          <a:p>
+            <a:pPr lvl="2"/>
+            <a:r>
+              <a:rPr lang="en-US" altLang="en-US" dirty="0">
+                <a:latin typeface="Lato Light" charset="0"/>
+                <a:ea typeface="ＭＳ Ｐゴシック" charset="-128"/>
+              </a:rPr>
+              <a:t> The number of variables to use for each tree (</a:t>
             </a:r>
             <a:r>
               <a:rPr lang="en-US" altLang="en-US" dirty="0" err="1">
                 <a:latin typeface="Lato Light" charset="0"/>
                 <a:ea typeface="ＭＳ Ｐゴシック" charset="-128"/>
               </a:rPr>
-              <a:t>Mtry</a:t>
+              <a:t>kinda</a:t>
             </a:r>
             <a:r>
               <a:rPr lang="en-US" altLang="en-US" dirty="0">
                 <a:latin typeface="Lato Light" charset="0"/>
                 <a:ea typeface="ＭＳ Ｐゴシック" charset="-128"/>
               </a:rPr>
-              <a:t> = number of variables to use for each tree</a:t>
+              <a:t> boosting)</a:t>
+            </a:r>
+          </a:p>
+          <a:p>
+            <a:pPr lvl="2"/>
+            <a:r>
+              <a:rPr lang="en-US" altLang="en-US" dirty="0">
+                <a:latin typeface="Lato Light" charset="0"/>
+                <a:ea typeface="ＭＳ Ｐゴシック" charset="-128"/>
+              </a:rPr>
+              <a:t> The number of trees in the forest</a:t>
+            </a:r>
+          </a:p>
+          <a:p>
+            <a:pPr lvl="2"/>
+            <a:r>
+              <a:rPr lang="en-US" altLang="en-US" dirty="0">
+                <a:latin typeface="Lato Light" charset="0"/>
+                <a:ea typeface="ＭＳ Ｐゴシック" charset="-128"/>
+              </a:rPr>
+              <a:t> The size of the samples used in the bagging process</a:t>
             </a:r>
           </a:p>
           <a:p>
@@ -29423,6 +28864,124 @@
     <p:extLst>
       <p:ext uri="{BB962C8B-B14F-4D97-AF65-F5344CB8AC3E}">
         <p14:creationId xmlns:p14="http://schemas.microsoft.com/office/powerpoint/2010/main" val="3459870011"/>
+      </p:ext>
+    </p:extLst>
+  </p:cSld>
+  <p:clrMapOvr>
+    <a:masterClrMapping/>
+  </p:clrMapOvr>
+</p:sld>
+</file>
+
+<file path=ppt/slides/slide17.xml><?xml version="1.0" encoding="utf-8"?>
+<p:sld xmlns:a="http://schemas.openxmlformats.org/drawingml/2006/main" xmlns:r="http://schemas.openxmlformats.org/officeDocument/2006/relationships" xmlns:p="http://schemas.openxmlformats.org/presentationml/2006/main">
+  <p:cSld>
+    <p:spTree>
+      <p:nvGrpSpPr>
+        <p:cNvPr id="1" name=""/>
+        <p:cNvGrpSpPr/>
+        <p:nvPr/>
+      </p:nvGrpSpPr>
+      <p:grpSpPr>
+        <a:xfrm>
+          <a:off x="0" y="0"/>
+          <a:ext cx="0" cy="0"/>
+          <a:chOff x="0" y="0"/>
+          <a:chExt cx="0" cy="0"/>
+        </a:xfrm>
+      </p:grpSpPr>
+      <p:sp>
+        <p:nvSpPr>
+          <p:cNvPr id="2" name="Title 1">
+            <a:extLst>
+              <a:ext uri="{FF2B5EF4-FFF2-40B4-BE49-F238E27FC236}">
+                <a16:creationId xmlns:a16="http://schemas.microsoft.com/office/drawing/2014/main" id="{4F75A9C1-E86B-4EBA-D2B5-FFE2C9A5C479}"/>
+              </a:ext>
+            </a:extLst>
+          </p:cNvPr>
+          <p:cNvSpPr>
+            <a:spLocks noGrp="1"/>
+          </p:cNvSpPr>
+          <p:nvPr>
+            <p:ph type="title"/>
+          </p:nvPr>
+        </p:nvSpPr>
+        <p:spPr/>
+        <p:txBody>
+          <a:bodyPr/>
+          <a:lstStyle/>
+          <a:p>
+            <a:r>
+              <a:rPr lang="en-US" dirty="0"/>
+              <a:t>Random Forest Example </a:t>
+            </a:r>
+          </a:p>
+        </p:txBody>
+      </p:sp>
+      <p:sp>
+        <p:nvSpPr>
+          <p:cNvPr id="4" name="Slide Number Placeholder 3">
+            <a:extLst>
+              <a:ext uri="{FF2B5EF4-FFF2-40B4-BE49-F238E27FC236}">
+                <a16:creationId xmlns:a16="http://schemas.microsoft.com/office/drawing/2014/main" id="{03BF43A0-513D-8735-195C-8731ECA9911B}"/>
+              </a:ext>
+            </a:extLst>
+          </p:cNvPr>
+          <p:cNvSpPr>
+            <a:spLocks noGrp="1"/>
+          </p:cNvSpPr>
+          <p:nvPr>
+            <p:ph type="sldNum" sz="quarter" idx="12"/>
+          </p:nvPr>
+        </p:nvSpPr>
+        <p:spPr/>
+        <p:txBody>
+          <a:bodyPr/>
+          <a:lstStyle/>
+          <a:p>
+            <a:fld id="{5ACD0CF0-90CC-9C41-A77B-2776398A8C8B}" type="slidenum">
+              <a:rPr lang="en-US" smtClean="0"/>
+              <a:pPr/>
+              <a:t>17</a:t>
+            </a:fld>
+            <a:endParaRPr lang="en-US"/>
+          </a:p>
+        </p:txBody>
+      </p:sp>
+      <p:pic>
+        <p:nvPicPr>
+          <p:cNvPr id="6" name="Picture 5">
+            <a:extLst>
+              <a:ext uri="{FF2B5EF4-FFF2-40B4-BE49-F238E27FC236}">
+                <a16:creationId xmlns:a16="http://schemas.microsoft.com/office/drawing/2014/main" id="{BC45EB16-A266-B16A-0F2E-E83650C5F265}"/>
+              </a:ext>
+            </a:extLst>
+          </p:cNvPr>
+          <p:cNvPicPr>
+            <a:picLocks noChangeAspect="1"/>
+          </p:cNvPicPr>
+          <p:nvPr/>
+        </p:nvPicPr>
+        <p:blipFill>
+          <a:blip r:embed="rId2"/>
+          <a:stretch>
+            <a:fillRect/>
+          </a:stretch>
+        </p:blipFill>
+        <p:spPr>
+          <a:xfrm>
+            <a:off x="232188" y="731521"/>
+            <a:ext cx="11774282" cy="5989953"/>
+          </a:xfrm>
+          <a:prstGeom prst="rect">
+            <a:avLst/>
+          </a:prstGeom>
+        </p:spPr>
+      </p:pic>
+    </p:spTree>
+    <p:extLst>
+      <p:ext uri="{BB962C8B-B14F-4D97-AF65-F5344CB8AC3E}">
+        <p14:creationId xmlns:p14="http://schemas.microsoft.com/office/powerpoint/2010/main" val="2602697206"/>
       </p:ext>
     </p:extLst>
   </p:cSld>
@@ -29506,12 +29065,14 @@
         </p:nvSpPr>
         <p:spPr>
           <a:xfrm>
-            <a:off x="80554" y="805520"/>
-            <a:ext cx="11825696" cy="4351338"/>
+            <a:off x="80554" y="636554"/>
+            <a:ext cx="11825696" cy="5217594"/>
           </a:xfrm>
         </p:spPr>
         <p:txBody>
-          <a:bodyPr/>
+          <a:bodyPr>
+            <a:normAutofit/>
+          </a:bodyPr>
           <a:lstStyle/>
           <a:p>
             <a:pPr eaLnBrk="1" hangingPunct="1"/>
@@ -29539,7 +29100,35 @@
                 <a:latin typeface="Lato Light" charset="0"/>
                 <a:ea typeface="ＭＳ Ｐゴシック" charset="-128"/>
               </a:rPr>
-              <a:t> This is done by determining which variables are closest to the root of the tree and then moving outward or other methods associated with error reduction of the variables</a:t>
+              <a:t> This is done using the </a:t>
+            </a:r>
+            <a:r>
+              <a:rPr lang="en-US" altLang="en-US" sz="2400" b="1" dirty="0">
+                <a:latin typeface="Lato Light" charset="0"/>
+                <a:ea typeface="ＭＳ Ｐゴシック" charset="-128"/>
+              </a:rPr>
+              <a:t>Out of Bag Error </a:t>
+            </a:r>
+            <a:r>
+              <a:rPr lang="en-US" altLang="en-US" sz="2400" dirty="0">
+                <a:latin typeface="Lato Light" charset="0"/>
+                <a:ea typeface="ＭＳ Ｐゴシック" charset="-128"/>
+              </a:rPr>
+              <a:t>and averaging the decrease in </a:t>
+            </a:r>
+            <a:r>
+              <a:rPr lang="en-US" altLang="en-US" sz="2400" dirty="0" err="1">
+                <a:latin typeface="Lato Light" charset="0"/>
+                <a:ea typeface="ＭＳ Ｐゴシック" charset="-128"/>
+              </a:rPr>
+              <a:t>gini</a:t>
+            </a:r>
+            <a:r>
+              <a:rPr lang="en-US" altLang="en-US" sz="2400" dirty="0">
+                <a:latin typeface="Lato Light" charset="0"/>
+                <a:ea typeface="ＭＳ Ｐゴシック" charset="-128"/>
+              </a:rPr>
+              <a:t> impurity across all the nodes where that feature is present. </a:t>
             </a:r>
           </a:p>
           <a:p>
@@ -29559,6 +29148,25 @@
                 <a:ea typeface="ＭＳ Ｐゴシック" charset="-128"/>
               </a:rPr>
               <a:t> Random Forrest does this at scale and the output is generated as a part of the training process</a:t>
+            </a:r>
+          </a:p>
+          <a:p>
+            <a:pPr marL="0" indent="0" eaLnBrk="1" hangingPunct="1">
+              <a:buNone/>
+            </a:pPr>
+            <a:endParaRPr lang="en-US" altLang="en-US" sz="2400" dirty="0">
+              <a:latin typeface="Lato Light" charset="0"/>
+              <a:ea typeface="ＭＳ Ｐゴシック" charset="-128"/>
+            </a:endParaRPr>
+          </a:p>
+          <a:p>
+            <a:pPr eaLnBrk="1" hangingPunct="1"/>
+            <a:r>
+              <a:rPr lang="en-US" altLang="en-US" sz="2400" dirty="0">
+                <a:latin typeface="Lato Light" charset="0"/>
+                <a:ea typeface="ＭＳ Ｐゴシック" charset="-128"/>
+              </a:rPr>
+              <a:t>Can also use a permutation approach, by shuffling the values of a variable and seeing if there’s a change in model error</a:t>
             </a:r>
             <a:endParaRPr lang="en-US" altLang="en-US" dirty="0">
               <a:latin typeface="Lato Light" charset="0"/>
@@ -29588,6 +29196,285 @@
 </file>
 
 <file path=ppt/slides/slide19.xml><?xml version="1.0" encoding="utf-8"?>
+<p:sld xmlns:a="http://schemas.openxmlformats.org/drawingml/2006/main" xmlns:r="http://schemas.openxmlformats.org/officeDocument/2006/relationships" xmlns:p="http://schemas.openxmlformats.org/presentationml/2006/main">
+  <p:cSld>
+    <p:spTree>
+      <p:nvGrpSpPr>
+        <p:cNvPr id="1" name=""/>
+        <p:cNvGrpSpPr/>
+        <p:nvPr/>
+      </p:nvGrpSpPr>
+      <p:grpSpPr>
+        <a:xfrm>
+          <a:off x="0" y="0"/>
+          <a:ext cx="0" cy="0"/>
+          <a:chOff x="0" y="0"/>
+          <a:chExt cx="0" cy="0"/>
+        </a:xfrm>
+      </p:grpSpPr>
+      <p:sp>
+        <p:nvSpPr>
+          <p:cNvPr id="2" name="Title 1">
+            <a:extLst>
+              <a:ext uri="{FF2B5EF4-FFF2-40B4-BE49-F238E27FC236}">
+                <a16:creationId xmlns:a16="http://schemas.microsoft.com/office/drawing/2014/main" id="{74F2B23C-D875-CD32-6C0E-FDAA3A975DD5}"/>
+              </a:ext>
+            </a:extLst>
+          </p:cNvPr>
+          <p:cNvSpPr>
+            <a:spLocks noGrp="1"/>
+          </p:cNvSpPr>
+          <p:nvPr>
+            <p:ph type="title"/>
+          </p:nvPr>
+        </p:nvSpPr>
+        <p:spPr/>
+        <p:txBody>
+          <a:bodyPr/>
+          <a:lstStyle/>
+          <a:p>
+            <a:r>
+              <a:rPr lang="en-US" dirty="0"/>
+              <a:t>Out of Bag Error </a:t>
+            </a:r>
+          </a:p>
+        </p:txBody>
+      </p:sp>
+      <p:sp>
+        <p:nvSpPr>
+          <p:cNvPr id="4" name="Slide Number Placeholder 3">
+            <a:extLst>
+              <a:ext uri="{FF2B5EF4-FFF2-40B4-BE49-F238E27FC236}">
+                <a16:creationId xmlns:a16="http://schemas.microsoft.com/office/drawing/2014/main" id="{E83E8413-FF79-6560-75CB-388F38F92015}"/>
+              </a:ext>
+            </a:extLst>
+          </p:cNvPr>
+          <p:cNvSpPr>
+            <a:spLocks noGrp="1"/>
+          </p:cNvSpPr>
+          <p:nvPr>
+            <p:ph type="sldNum" sz="quarter" idx="12"/>
+          </p:nvPr>
+        </p:nvSpPr>
+        <p:spPr/>
+        <p:txBody>
+          <a:bodyPr/>
+          <a:lstStyle/>
+          <a:p>
+            <a:fld id="{5ACD0CF0-90CC-9C41-A77B-2776398A8C8B}" type="slidenum">
+              <a:rPr lang="en-US" smtClean="0"/>
+              <a:pPr/>
+              <a:t>19</a:t>
+            </a:fld>
+            <a:endParaRPr lang="en-US"/>
+          </a:p>
+        </p:txBody>
+      </p:sp>
+      <p:pic>
+        <p:nvPicPr>
+          <p:cNvPr id="6" name="Picture 5">
+            <a:extLst>
+              <a:ext uri="{FF2B5EF4-FFF2-40B4-BE49-F238E27FC236}">
+                <a16:creationId xmlns:a16="http://schemas.microsoft.com/office/drawing/2014/main" id="{9FEFD2E2-9A44-724D-1A89-3C034165107D}"/>
+              </a:ext>
+            </a:extLst>
+          </p:cNvPr>
+          <p:cNvPicPr>
+            <a:picLocks noChangeAspect="1"/>
+          </p:cNvPicPr>
+          <p:nvPr/>
+        </p:nvPicPr>
+        <p:blipFill>
+          <a:blip r:embed="rId2"/>
+          <a:stretch>
+            <a:fillRect/>
+          </a:stretch>
+        </p:blipFill>
+        <p:spPr>
+          <a:xfrm>
+            <a:off x="696875" y="1523500"/>
+            <a:ext cx="10548500" cy="4211378"/>
+          </a:xfrm>
+          <a:prstGeom prst="rect">
+            <a:avLst/>
+          </a:prstGeom>
+        </p:spPr>
+      </p:pic>
+    </p:spTree>
+    <p:extLst>
+      <p:ext uri="{BB962C8B-B14F-4D97-AF65-F5344CB8AC3E}">
+        <p14:creationId xmlns:p14="http://schemas.microsoft.com/office/powerpoint/2010/main" val="4150371229"/>
+      </p:ext>
+    </p:extLst>
+  </p:cSld>
+  <p:clrMapOvr>
+    <a:masterClrMapping/>
+  </p:clrMapOvr>
+</p:sld>
+</file>
+
+<file path=ppt/slides/slide2.xml><?xml version="1.0" encoding="utf-8"?>
+<p:sld xmlns:a="http://schemas.openxmlformats.org/drawingml/2006/main" xmlns:r="http://schemas.openxmlformats.org/officeDocument/2006/relationships" xmlns:p="http://schemas.openxmlformats.org/presentationml/2006/main">
+  <p:cSld>
+    <p:spTree>
+      <p:nvGrpSpPr>
+        <p:cNvPr id="1" name=""/>
+        <p:cNvGrpSpPr/>
+        <p:nvPr/>
+      </p:nvGrpSpPr>
+      <p:grpSpPr>
+        <a:xfrm>
+          <a:off x="0" y="0"/>
+          <a:ext cx="0" cy="0"/>
+          <a:chOff x="0" y="0"/>
+          <a:chExt cx="0" cy="0"/>
+        </a:xfrm>
+      </p:grpSpPr>
+      <p:sp>
+        <p:nvSpPr>
+          <p:cNvPr id="2" name="Title 1"/>
+          <p:cNvSpPr>
+            <a:spLocks noGrp="1"/>
+          </p:cNvSpPr>
+          <p:nvPr>
+            <p:ph type="title"/>
+          </p:nvPr>
+        </p:nvSpPr>
+        <p:spPr/>
+        <p:txBody>
+          <a:bodyPr/>
+          <a:lstStyle/>
+          <a:p>
+            <a:r>
+              <a:rPr lang="en-US" dirty="0"/>
+              <a:t>Course Schedule</a:t>
+            </a:r>
+          </a:p>
+        </p:txBody>
+      </p:sp>
+      <p:sp>
+        <p:nvSpPr>
+          <p:cNvPr id="3" name="Content Placeholder 2"/>
+          <p:cNvSpPr>
+            <a:spLocks noGrp="1"/>
+          </p:cNvSpPr>
+          <p:nvPr>
+            <p:ph idx="1"/>
+          </p:nvPr>
+        </p:nvSpPr>
+        <p:spPr>
+          <a:xfrm>
+            <a:off x="80554" y="936239"/>
+            <a:ext cx="10515600" cy="4351338"/>
+          </a:xfrm>
+        </p:spPr>
+        <p:txBody>
+          <a:bodyPr>
+            <a:normAutofit/>
+          </a:bodyPr>
+          <a:lstStyle/>
+          <a:p>
+            <a:r>
+              <a:rPr lang="en-US" dirty="0"/>
+              <a:t> This week Random Forrest – Lab Due 26th</a:t>
+            </a:r>
+          </a:p>
+          <a:p>
+            <a:r>
+              <a:rPr lang="en-US" dirty="0"/>
+              <a:t> Next Week – No Class</a:t>
+            </a:r>
+          </a:p>
+          <a:p>
+            <a:r>
+              <a:rPr lang="en-US" dirty="0"/>
+              <a:t> 28</a:t>
+            </a:r>
+            <a:r>
+              <a:rPr lang="en-US" baseline="30000" dirty="0"/>
+              <a:t>th</a:t>
+            </a:r>
+            <a:r>
+              <a:rPr lang="en-US" dirty="0"/>
+              <a:t> and 30</a:t>
+            </a:r>
+            <a:r>
+              <a:rPr lang="en-US" baseline="30000" dirty="0"/>
+              <a:t>th</a:t>
+            </a:r>
+            <a:r>
+              <a:rPr lang="en-US" dirty="0"/>
+              <a:t> – Fairness Measures – On Class Lab on the 30</a:t>
+            </a:r>
+            <a:r>
+              <a:rPr lang="en-US" baseline="30000" dirty="0"/>
+              <a:t>th</a:t>
+            </a:r>
+            <a:r>
+              <a:rPr lang="en-US" dirty="0"/>
+              <a:t> - shorter</a:t>
+            </a:r>
+          </a:p>
+          <a:p>
+            <a:r>
+              <a:rPr lang="en-US" dirty="0"/>
+              <a:t> Final Presentations on 5</a:t>
+            </a:r>
+            <a:r>
+              <a:rPr lang="en-US" baseline="30000" dirty="0"/>
+              <a:t>th</a:t>
+            </a:r>
+            <a:r>
+              <a:rPr lang="en-US" dirty="0"/>
+              <a:t> </a:t>
+            </a:r>
+          </a:p>
+          <a:p>
+            <a:pPr marL="0" indent="0">
+              <a:buNone/>
+            </a:pPr>
+            <a:endParaRPr lang="en-US" dirty="0"/>
+          </a:p>
+        </p:txBody>
+      </p:sp>
+      <p:sp>
+        <p:nvSpPr>
+          <p:cNvPr id="4" name="Slide Number Placeholder 3"/>
+          <p:cNvSpPr>
+            <a:spLocks noGrp="1"/>
+          </p:cNvSpPr>
+          <p:nvPr>
+            <p:ph type="sldNum" sz="quarter" idx="12"/>
+          </p:nvPr>
+        </p:nvSpPr>
+        <p:spPr/>
+        <p:txBody>
+          <a:bodyPr/>
+          <a:lstStyle/>
+          <a:p>
+            <a:fld id="{5ACD0CF0-90CC-9C41-A77B-2776398A8C8B}" type="slidenum">
+              <a:rPr lang="en-US" smtClean="0"/>
+              <a:pPr/>
+              <a:t>2</a:t>
+            </a:fld>
+            <a:endParaRPr lang="en-US"/>
+          </a:p>
+        </p:txBody>
+      </p:sp>
+    </p:spTree>
+    <p:extLst>
+      <p:ext uri="{BB962C8B-B14F-4D97-AF65-F5344CB8AC3E}">
+        <p14:creationId xmlns:p14="http://schemas.microsoft.com/office/powerpoint/2010/main" val="269027747"/>
+      </p:ext>
+    </p:extLst>
+  </p:cSld>
+  <p:clrMapOvr>
+    <a:masterClrMapping/>
+  </p:clrMapOvr>
+</p:sld>
+</file>
+
+<file path=ppt/slides/slide20.xml><?xml version="1.0" encoding="utf-8"?>
 <p:sld xmlns:a="http://schemas.openxmlformats.org/drawingml/2006/main" xmlns:r="http://schemas.openxmlformats.org/officeDocument/2006/relationships" xmlns:p="http://schemas.openxmlformats.org/presentationml/2006/main">
   <p:cSld>
     <p:spTree>
@@ -29643,7 +29530,7 @@
           <a:p>
             <a:fld id="{5ACD0CF0-90CC-9C41-A77B-2776398A8C8B}" type="slidenum">
               <a:rPr lang="en-US" smtClean="0"/>
-              <a:t>19</a:t>
+              <a:t>20</a:t>
             </a:fld>
             <a:endParaRPr lang="en-US" dirty="0"/>
           </a:p>
@@ -29765,324 +29652,7 @@
 </p:sld>
 </file>
 
-<file path=ppt/slides/slide2.xml><?xml version="1.0" encoding="utf-8"?>
-<p:sld xmlns:a="http://schemas.openxmlformats.org/drawingml/2006/main" xmlns:r="http://schemas.openxmlformats.org/officeDocument/2006/relationships" xmlns:p="http://schemas.openxmlformats.org/presentationml/2006/main">
-  <p:cSld>
-    <p:spTree>
-      <p:nvGrpSpPr>
-        <p:cNvPr id="1" name=""/>
-        <p:cNvGrpSpPr/>
-        <p:nvPr/>
-      </p:nvGrpSpPr>
-      <p:grpSpPr>
-        <a:xfrm>
-          <a:off x="0" y="0"/>
-          <a:ext cx="0" cy="0"/>
-          <a:chOff x="0" y="0"/>
-          <a:chExt cx="0" cy="0"/>
-        </a:xfrm>
-      </p:grpSpPr>
-      <p:sp>
-        <p:nvSpPr>
-          <p:cNvPr id="2" name="Title 1"/>
-          <p:cNvSpPr>
-            <a:spLocks noGrp="1"/>
-          </p:cNvSpPr>
-          <p:nvPr>
-            <p:ph type="title"/>
-          </p:nvPr>
-        </p:nvSpPr>
-        <p:spPr/>
-        <p:txBody>
-          <a:bodyPr/>
-          <a:lstStyle/>
-          <a:p>
-            <a:r>
-              <a:rPr lang="en-US" dirty="0"/>
-              <a:t>Ensemble Methods</a:t>
-            </a:r>
-          </a:p>
-        </p:txBody>
-      </p:sp>
-      <p:sp>
-        <p:nvSpPr>
-          <p:cNvPr id="3" name="Content Placeholder 2"/>
-          <p:cNvSpPr>
-            <a:spLocks noGrp="1"/>
-          </p:cNvSpPr>
-          <p:nvPr>
-            <p:ph idx="1"/>
-          </p:nvPr>
-        </p:nvSpPr>
-        <p:spPr>
-          <a:xfrm>
-            <a:off x="80554" y="936239"/>
-            <a:ext cx="10515600" cy="4351338"/>
-          </a:xfrm>
-        </p:spPr>
-        <p:txBody>
-          <a:bodyPr>
-            <a:normAutofit/>
-          </a:bodyPr>
-          <a:lstStyle/>
-          <a:p>
-            <a:r>
-              <a:rPr lang="en-US" dirty="0"/>
-              <a:t> Several approaches to tree building </a:t>
-            </a:r>
-          </a:p>
-          <a:p>
-            <a:pPr lvl="1"/>
-            <a:r>
-              <a:rPr lang="en-US" dirty="0"/>
-              <a:t> CART – Gini Index </a:t>
-            </a:r>
-          </a:p>
-          <a:p>
-            <a:pPr lvl="1"/>
-            <a:r>
-              <a:rPr lang="en-US" dirty="0"/>
-              <a:t> C4.5 – Gains Ratio </a:t>
-            </a:r>
-          </a:p>
-          <a:p>
-            <a:pPr lvl="1"/>
-            <a:r>
-              <a:rPr lang="en-US" dirty="0"/>
-              <a:t> IDS – Information Gain </a:t>
-            </a:r>
-          </a:p>
-          <a:p>
-            <a:pPr lvl="1"/>
-            <a:r>
-              <a:rPr lang="en-US" dirty="0"/>
-              <a:t> C5.0 – Improvement on C4.5 </a:t>
-            </a:r>
-          </a:p>
-          <a:p>
-            <a:pPr marL="0" indent="0">
-              <a:buNone/>
-            </a:pPr>
-            <a:r>
-              <a:rPr lang="en-US" dirty="0"/>
-              <a:t> </a:t>
-            </a:r>
-          </a:p>
-        </p:txBody>
-      </p:sp>
-      <p:sp>
-        <p:nvSpPr>
-          <p:cNvPr id="4" name="Slide Number Placeholder 3"/>
-          <p:cNvSpPr>
-            <a:spLocks noGrp="1"/>
-          </p:cNvSpPr>
-          <p:nvPr>
-            <p:ph type="sldNum" sz="quarter" idx="12"/>
-          </p:nvPr>
-        </p:nvSpPr>
-        <p:spPr/>
-        <p:txBody>
-          <a:bodyPr/>
-          <a:lstStyle/>
-          <a:p>
-            <a:fld id="{5ACD0CF0-90CC-9C41-A77B-2776398A8C8B}" type="slidenum">
-              <a:rPr lang="en-US" smtClean="0"/>
-              <a:pPr/>
-              <a:t>2</a:t>
-            </a:fld>
-            <a:endParaRPr lang="en-US"/>
-          </a:p>
-        </p:txBody>
-      </p:sp>
-    </p:spTree>
-    <p:extLst>
-      <p:ext uri="{BB962C8B-B14F-4D97-AF65-F5344CB8AC3E}">
-        <p14:creationId xmlns:p14="http://schemas.microsoft.com/office/powerpoint/2010/main" val="269027747"/>
-      </p:ext>
-    </p:extLst>
-  </p:cSld>
-  <p:clrMapOvr>
-    <a:masterClrMapping/>
-  </p:clrMapOvr>
-</p:sld>
-</file>
-
 <file path=ppt/slides/slide3.xml><?xml version="1.0" encoding="utf-8"?>
-<p:sld xmlns:a="http://schemas.openxmlformats.org/drawingml/2006/main" xmlns:r="http://schemas.openxmlformats.org/officeDocument/2006/relationships" xmlns:p="http://schemas.openxmlformats.org/presentationml/2006/main">
-  <p:cSld>
-    <p:spTree>
-      <p:nvGrpSpPr>
-        <p:cNvPr id="1" name=""/>
-        <p:cNvGrpSpPr/>
-        <p:nvPr/>
-      </p:nvGrpSpPr>
-      <p:grpSpPr>
-        <a:xfrm>
-          <a:off x="0" y="0"/>
-          <a:ext cx="0" cy="0"/>
-          <a:chOff x="0" y="0"/>
-          <a:chExt cx="0" cy="0"/>
-        </a:xfrm>
-      </p:grpSpPr>
-      <p:sp>
-        <p:nvSpPr>
-          <p:cNvPr id="2" name="Title 1"/>
-          <p:cNvSpPr>
-            <a:spLocks noGrp="1"/>
-          </p:cNvSpPr>
-          <p:nvPr>
-            <p:ph type="title"/>
-          </p:nvPr>
-        </p:nvSpPr>
-        <p:spPr/>
-        <p:txBody>
-          <a:bodyPr/>
-          <a:lstStyle/>
-          <a:p>
-            <a:r>
-              <a:rPr lang="en-US" dirty="0"/>
-              <a:t>Ensemble Methods</a:t>
-            </a:r>
-          </a:p>
-        </p:txBody>
-      </p:sp>
-      <p:sp>
-        <p:nvSpPr>
-          <p:cNvPr id="3" name="Content Placeholder 2"/>
-          <p:cNvSpPr>
-            <a:spLocks noGrp="1"/>
-          </p:cNvSpPr>
-          <p:nvPr>
-            <p:ph idx="1"/>
-          </p:nvPr>
-        </p:nvSpPr>
-        <p:spPr>
-          <a:xfrm>
-            <a:off x="80554" y="936238"/>
-            <a:ext cx="11900052" cy="5071271"/>
-          </a:xfrm>
-        </p:spPr>
-        <p:txBody>
-          <a:bodyPr>
-            <a:normAutofit lnSpcReduction="10000"/>
-          </a:bodyPr>
-          <a:lstStyle/>
-          <a:p>
-            <a:pPr marL="0" indent="0">
-              <a:buNone/>
-            </a:pPr>
-            <a:r>
-              <a:rPr lang="en-US" dirty="0"/>
-              <a:t>A standard error is by definition the standard deviation of the sampling distribution of a parameter estimate, generated by repeated sampling. </a:t>
-            </a:r>
-          </a:p>
-          <a:p>
-            <a:pPr marL="0" indent="0">
-              <a:buNone/>
-            </a:pPr>
-            <a:endParaRPr lang="en-US" dirty="0"/>
-          </a:p>
-          <a:p>
-            <a:pPr marL="0" indent="0">
-              <a:buNone/>
-            </a:pPr>
-            <a:r>
-              <a:rPr lang="en-US" dirty="0" err="1"/>
-              <a:t>xerror</a:t>
-            </a:r>
-            <a:r>
-              <a:rPr lang="en-US" dirty="0"/>
-              <a:t> reflects the mean of the sample means (of the errors) from the ten folds; </a:t>
-            </a:r>
-          </a:p>
-          <a:p>
-            <a:pPr marL="0" indent="0">
-              <a:buNone/>
-            </a:pPr>
-            <a:endParaRPr lang="en-US" dirty="0"/>
-          </a:p>
-          <a:p>
-            <a:pPr marL="0" indent="0">
-              <a:buNone/>
-            </a:pPr>
-            <a:r>
-              <a:rPr lang="en-US" dirty="0" err="1"/>
-              <a:t>xstd</a:t>
-            </a:r>
-            <a:r>
-              <a:rPr lang="en-US" dirty="0"/>
-              <a:t> reflects the standard deviation of the sample means (of the errors) from the ten folds. Thus, </a:t>
-            </a:r>
-            <a:r>
-              <a:rPr lang="en-US" dirty="0" err="1"/>
-              <a:t>xstd</a:t>
-            </a:r>
-            <a:r>
-              <a:rPr lang="en-US" dirty="0"/>
-              <a:t> is a standard deviation of sample means, which is also known as the standard error of the mean.</a:t>
-            </a:r>
-          </a:p>
-          <a:p>
-            <a:pPr marL="0" indent="0">
-              <a:buNone/>
-            </a:pPr>
-            <a:endParaRPr lang="en-US" dirty="0"/>
-          </a:p>
-          <a:p>
-            <a:pPr marL="0" indent="0">
-              <a:buNone/>
-            </a:pPr>
-            <a:endParaRPr lang="en-US" dirty="0"/>
-          </a:p>
-          <a:p>
-            <a:pPr marL="0" indent="0">
-              <a:buNone/>
-            </a:pPr>
-            <a:r>
-              <a:rPr lang="en-US" dirty="0"/>
-              <a:t> </a:t>
-            </a:r>
-          </a:p>
-        </p:txBody>
-      </p:sp>
-      <p:sp>
-        <p:nvSpPr>
-          <p:cNvPr id="4" name="Slide Number Placeholder 3"/>
-          <p:cNvSpPr>
-            <a:spLocks noGrp="1"/>
-          </p:cNvSpPr>
-          <p:nvPr>
-            <p:ph type="sldNum" sz="quarter" idx="12"/>
-          </p:nvPr>
-        </p:nvSpPr>
-        <p:spPr/>
-        <p:txBody>
-          <a:bodyPr/>
-          <a:lstStyle/>
-          <a:p>
-            <a:fld id="{5ACD0CF0-90CC-9C41-A77B-2776398A8C8B}" type="slidenum">
-              <a:rPr lang="en-US" smtClean="0"/>
-              <a:pPr/>
-              <a:t>3</a:t>
-            </a:fld>
-            <a:endParaRPr lang="en-US"/>
-          </a:p>
-        </p:txBody>
-      </p:sp>
-    </p:spTree>
-    <p:extLst>
-      <p:ext uri="{BB962C8B-B14F-4D97-AF65-F5344CB8AC3E}">
-        <p14:creationId xmlns:p14="http://schemas.microsoft.com/office/powerpoint/2010/main" val="2389601445"/>
-      </p:ext>
-    </p:extLst>
-  </p:cSld>
-  <p:clrMapOvr>
-    <a:masterClrMapping/>
-  </p:clrMapOvr>
-</p:sld>
-</file>
-
-<file path=ppt/slides/slide4.xml><?xml version="1.0" encoding="utf-8"?>
 <p:sld xmlns:a="http://schemas.openxmlformats.org/drawingml/2006/main" xmlns:r="http://schemas.openxmlformats.org/officeDocument/2006/relationships" xmlns:p="http://schemas.openxmlformats.org/presentationml/2006/main">
   <p:cSld>
     <p:spTree>
@@ -30201,7 +29771,7 @@
             <a:fld id="{5ACD0CF0-90CC-9C41-A77B-2776398A8C8B}" type="slidenum">
               <a:rPr lang="en-US" smtClean="0"/>
               <a:pPr/>
-              <a:t>4</a:t>
+              <a:t>3</a:t>
             </a:fld>
             <a:endParaRPr lang="en-US"/>
           </a:p>
@@ -30220,7 +29790,7 @@
 </p:sld>
 </file>
 
-<file path=ppt/slides/slide5.xml><?xml version="1.0" encoding="utf-8"?>
+<file path=ppt/slides/slide4.xml><?xml version="1.0" encoding="utf-8"?>
 <p:sld xmlns:a="http://schemas.openxmlformats.org/drawingml/2006/main" xmlns:r="http://schemas.openxmlformats.org/officeDocument/2006/relationships" xmlns:p="http://schemas.openxmlformats.org/presentationml/2006/main">
   <p:cSld>
     <p:spTree>
@@ -30373,7 +29943,7 @@
             <a:fld id="{5ACD0CF0-90CC-9C41-A77B-2776398A8C8B}" type="slidenum">
               <a:rPr lang="en-US" smtClean="0"/>
               <a:pPr/>
-              <a:t>5</a:t>
+              <a:t>4</a:t>
             </a:fld>
             <a:endParaRPr lang="en-US"/>
           </a:p>
@@ -30614,7 +30184,7 @@
 </p:sld>
 </file>
 
-<file path=ppt/slides/slide6.xml><?xml version="1.0" encoding="utf-8"?>
+<file path=ppt/slides/slide5.xml><?xml version="1.0" encoding="utf-8"?>
 <p:sld xmlns:a="http://schemas.openxmlformats.org/drawingml/2006/main" xmlns:r="http://schemas.openxmlformats.org/officeDocument/2006/relationships" xmlns:p="http://schemas.openxmlformats.org/presentationml/2006/main">
   <p:cSld>
     <p:spTree>
@@ -30766,7 +30336,7 @@
             <a:fld id="{5ACD0CF0-90CC-9C41-A77B-2776398A8C8B}" type="slidenum">
               <a:rPr lang="en-US" smtClean="0"/>
               <a:pPr/>
-              <a:t>6</a:t>
+              <a:t>5</a:t>
             </a:fld>
             <a:endParaRPr lang="en-US"/>
           </a:p>
@@ -30785,7 +30355,7 @@
 </p:sld>
 </file>
 
-<file path=ppt/slides/slide7.xml><?xml version="1.0" encoding="utf-8"?>
+<file path=ppt/slides/slide6.xml><?xml version="1.0" encoding="utf-8"?>
 <p:sld xmlns:a="http://schemas.openxmlformats.org/drawingml/2006/main" xmlns:r="http://schemas.openxmlformats.org/officeDocument/2006/relationships" xmlns:p="http://schemas.openxmlformats.org/presentationml/2006/main">
   <p:cSld>
     <p:spTree>
@@ -30842,7 +30412,7 @@
             <a:fld id="{5ACD0CF0-90CC-9C41-A77B-2776398A8C8B}" type="slidenum">
               <a:rPr lang="en-US" smtClean="0"/>
               <a:pPr/>
-              <a:t>7</a:t>
+              <a:t>6</a:t>
             </a:fld>
             <a:endParaRPr lang="en-US"/>
           </a:p>
@@ -30885,7 +30455,7 @@
 </p:sld>
 </file>
 
-<file path=ppt/slides/slide8.xml><?xml version="1.0" encoding="utf-8"?>
+<file path=ppt/slides/slide7.xml><?xml version="1.0" encoding="utf-8"?>
 <p:sld xmlns:a="http://schemas.openxmlformats.org/drawingml/2006/main" xmlns:r="http://schemas.openxmlformats.org/officeDocument/2006/relationships" xmlns:p="http://schemas.openxmlformats.org/presentationml/2006/main" show="0">
   <p:cSld>
     <p:spTree>
@@ -30985,7 +30555,7 @@
           <a:p>
             <a:fld id="{5ACD0CF0-90CC-9C41-A77B-2776398A8C8B}" type="slidenum">
               <a:rPr lang="en-US" smtClean="0"/>
-              <a:t>8</a:t>
+              <a:t>7</a:t>
             </a:fld>
             <a:endParaRPr lang="en-US" dirty="0"/>
           </a:p>
@@ -31004,7 +30574,7 @@
 </p:sld>
 </file>
 
-<file path=ppt/slides/slide9.xml><?xml version="1.0" encoding="utf-8"?>
+<file path=ppt/slides/slide8.xml><?xml version="1.0" encoding="utf-8"?>
 <p:sld xmlns:a="http://schemas.openxmlformats.org/drawingml/2006/main" xmlns:r="http://schemas.openxmlformats.org/officeDocument/2006/relationships" xmlns:p="http://schemas.openxmlformats.org/presentationml/2006/main" show="0">
   <p:cSld>
     <p:spTree>
@@ -31068,7 +30638,7 @@
           <a:p>
             <a:fld id="{5ACD0CF0-90CC-9C41-A77B-2776398A8C8B}" type="slidenum">
               <a:rPr lang="en-US" smtClean="0"/>
-              <a:t>9</a:t>
+              <a:t>8</a:t>
             </a:fld>
             <a:endParaRPr lang="en-US" dirty="0"/>
           </a:p>
@@ -31084,6 +30654,689 @@
   <p:clrMapOvr>
     <a:masterClrMapping/>
   </p:clrMapOvr>
+</p:sld>
+</file>
+
+<file path=ppt/slides/slide9.xml><?xml version="1.0" encoding="utf-8"?>
+<p:sld xmlns:a="http://schemas.openxmlformats.org/drawingml/2006/main" xmlns:r="http://schemas.openxmlformats.org/officeDocument/2006/relationships" xmlns:p="http://schemas.openxmlformats.org/presentationml/2006/main">
+  <p:cSld>
+    <p:spTree>
+      <p:nvGrpSpPr>
+        <p:cNvPr id="1" name=""/>
+        <p:cNvGrpSpPr/>
+        <p:nvPr/>
+      </p:nvGrpSpPr>
+      <p:grpSpPr>
+        <a:xfrm>
+          <a:off x="0" y="0"/>
+          <a:ext cx="0" cy="0"/>
+          <a:chOff x="0" y="0"/>
+          <a:chExt cx="0" cy="0"/>
+        </a:xfrm>
+      </p:grpSpPr>
+      <p:sp>
+        <p:nvSpPr>
+          <p:cNvPr id="2" name="Title 1"/>
+          <p:cNvSpPr>
+            <a:spLocks noGrp="1"/>
+          </p:cNvSpPr>
+          <p:nvPr>
+            <p:ph type="title"/>
+          </p:nvPr>
+        </p:nvSpPr>
+        <p:spPr/>
+        <p:txBody>
+          <a:bodyPr/>
+          <a:lstStyle/>
+          <a:p>
+            <a:r>
+              <a:rPr lang="en-US" dirty="0"/>
+              <a:t>Ensemble Methods: Random Forest – power in numbers </a:t>
+            </a:r>
+          </a:p>
+        </p:txBody>
+      </p:sp>
+      <p:sp>
+        <p:nvSpPr>
+          <p:cNvPr id="3" name="Content Placeholder 2"/>
+          <p:cNvSpPr>
+            <a:spLocks noGrp="1"/>
+          </p:cNvSpPr>
+          <p:nvPr>
+            <p:ph idx="1"/>
+          </p:nvPr>
+        </p:nvSpPr>
+        <p:spPr>
+          <a:xfrm>
+            <a:off x="-1" y="731520"/>
+            <a:ext cx="11849911" cy="5440680"/>
+          </a:xfrm>
+        </p:spPr>
+        <p:txBody>
+          <a:bodyPr>
+            <a:normAutofit/>
+          </a:bodyPr>
+          <a:lstStyle/>
+          <a:p>
+            <a:r>
+              <a:rPr lang="en-US" dirty="0"/>
+              <a:t> Ensemble methods – Essentially instead of building a single tree we are going to build a whole bunch</a:t>
+            </a:r>
+          </a:p>
+          <a:p>
+            <a:r>
+              <a:rPr lang="en-US" dirty="0"/>
+              <a:t> We can limit the growth of the trees but don’t have to use any of the hyper-parameters </a:t>
+            </a:r>
+          </a:p>
+          <a:p>
+            <a:r>
+              <a:rPr lang="en-US" dirty="0"/>
+              <a:t> Set the number of trees grown and track the error classification rate of our algorithm </a:t>
+            </a:r>
+          </a:p>
+          <a:p>
+            <a:r>
+              <a:rPr lang="en-US" dirty="0"/>
+              <a:t> Can be used for again for both Regression or Classification</a:t>
+            </a:r>
+          </a:p>
+          <a:p>
+            <a:r>
+              <a:rPr lang="en-US" dirty="0"/>
+              <a:t> Random Forest uses a combination of </a:t>
+            </a:r>
+            <a:r>
+              <a:rPr lang="en-US" b="1" dirty="0"/>
+              <a:t>bagging and boosting</a:t>
+            </a:r>
+          </a:p>
+        </p:txBody>
+      </p:sp>
+      <p:sp>
+        <p:nvSpPr>
+          <p:cNvPr id="5" name="Slide Number Placeholder 4"/>
+          <p:cNvSpPr>
+            <a:spLocks noGrp="1"/>
+          </p:cNvSpPr>
+          <p:nvPr>
+            <p:ph type="sldNum" sz="quarter" idx="12"/>
+          </p:nvPr>
+        </p:nvSpPr>
+        <p:spPr/>
+        <p:txBody>
+          <a:bodyPr/>
+          <a:lstStyle/>
+          <a:p>
+            <a:fld id="{5ACD0CF0-90CC-9C41-A77B-2776398A8C8B}" type="slidenum">
+              <a:rPr lang="en-US" smtClean="0"/>
+              <a:t>9</a:t>
+            </a:fld>
+            <a:endParaRPr lang="en-US" dirty="0"/>
+          </a:p>
+        </p:txBody>
+      </p:sp>
+    </p:spTree>
+    <p:extLst>
+      <p:ext uri="{BB962C8B-B14F-4D97-AF65-F5344CB8AC3E}">
+        <p14:creationId xmlns:p14="http://schemas.microsoft.com/office/powerpoint/2010/main" val="3470332995"/>
+      </p:ext>
+    </p:extLst>
+  </p:cSld>
+  <p:clrMapOvr>
+    <a:masterClrMapping/>
+  </p:clrMapOvr>
+  <p:timing>
+    <p:tnLst>
+      <p:par>
+        <p:cTn id="1" dur="indefinite" restart="never" nodeType="tmRoot">
+          <p:childTnLst>
+            <p:seq concurrent="1" nextAc="seek">
+              <p:cTn id="2" dur="indefinite" nodeType="mainSeq">
+                <p:childTnLst>
+                  <p:par>
+                    <p:cTn id="3" fill="hold">
+                      <p:stCondLst>
+                        <p:cond delay="indefinite"/>
+                      </p:stCondLst>
+                      <p:childTnLst>
+                        <p:par>
+                          <p:cTn id="4" fill="hold">
+                            <p:stCondLst>
+                              <p:cond delay="0"/>
+                            </p:stCondLst>
+                            <p:childTnLst>
+                              <p:par>
+                                <p:cTn id="5" presetID="42" presetClass="entr" presetSubtype="0" fill="hold" nodeType="clickEffect">
+                                  <p:stCondLst>
+                                    <p:cond delay="0"/>
+                                  </p:stCondLst>
+                                  <p:childTnLst>
+                                    <p:set>
+                                      <p:cBhvr>
+                                        <p:cTn id="6" dur="1" fill="hold">
+                                          <p:stCondLst>
+                                            <p:cond delay="0"/>
+                                          </p:stCondLst>
+                                        </p:cTn>
+                                        <p:tgtEl>
+                                          <p:spTgt spid="3">
+                                            <p:txEl>
+                                              <p:pRg st="0" end="0"/>
+                                            </p:txEl>
+                                          </p:spTgt>
+                                        </p:tgtEl>
+                                        <p:attrNameLst>
+                                          <p:attrName>style.visibility</p:attrName>
+                                        </p:attrNameLst>
+                                      </p:cBhvr>
+                                      <p:to>
+                                        <p:strVal val="visible"/>
+                                      </p:to>
+                                    </p:set>
+                                    <p:animEffect transition="in" filter="fade">
+                                      <p:cBhvr>
+                                        <p:cTn id="7" dur="1000"/>
+                                        <p:tgtEl>
+                                          <p:spTgt spid="3">
+                                            <p:txEl>
+                                              <p:pRg st="0" end="0"/>
+                                            </p:txEl>
+                                          </p:spTgt>
+                                        </p:tgtEl>
+                                      </p:cBhvr>
+                                    </p:animEffect>
+                                    <p:anim calcmode="lin" valueType="num">
+                                      <p:cBhvr>
+                                        <p:cTn id="8" dur="1000" fill="hold"/>
+                                        <p:tgtEl>
+                                          <p:spTgt spid="3">
+                                            <p:txEl>
+                                              <p:pRg st="0" end="0"/>
+                                            </p:txEl>
+                                          </p:spTgt>
+                                        </p:tgtEl>
+                                        <p:attrNameLst>
+                                          <p:attrName>ppt_x</p:attrName>
+                                        </p:attrNameLst>
+                                      </p:cBhvr>
+                                      <p:tavLst>
+                                        <p:tav tm="0">
+                                          <p:val>
+                                            <p:strVal val="#ppt_x"/>
+                                          </p:val>
+                                        </p:tav>
+                                        <p:tav tm="100000">
+                                          <p:val>
+                                            <p:strVal val="#ppt_x"/>
+                                          </p:val>
+                                        </p:tav>
+                                      </p:tavLst>
+                                    </p:anim>
+                                    <p:anim calcmode="lin" valueType="num">
+                                      <p:cBhvr>
+                                        <p:cTn id="9" dur="1000" fill="hold"/>
+                                        <p:tgtEl>
+                                          <p:spTgt spid="3">
+                                            <p:txEl>
+                                              <p:pRg st="0" end="0"/>
+                                            </p:txEl>
+                                          </p:spTgt>
+                                        </p:tgtEl>
+                                        <p:attrNameLst>
+                                          <p:attrName>ppt_y</p:attrName>
+                                        </p:attrNameLst>
+                                      </p:cBhvr>
+                                      <p:tavLst>
+                                        <p:tav tm="0">
+                                          <p:val>
+                                            <p:strVal val="#ppt_y+.1"/>
+                                          </p:val>
+                                        </p:tav>
+                                        <p:tav tm="100000">
+                                          <p:val>
+                                            <p:strVal val="#ppt_y"/>
+                                          </p:val>
+                                        </p:tav>
+                                      </p:tavLst>
+                                    </p:anim>
+                                  </p:childTnLst>
+                                </p:cTn>
+                              </p:par>
+                            </p:childTnLst>
+                          </p:cTn>
+                        </p:par>
+                      </p:childTnLst>
+                    </p:cTn>
+                  </p:par>
+                  <p:par>
+                    <p:cTn id="10" fill="hold">
+                      <p:stCondLst>
+                        <p:cond delay="indefinite"/>
+                      </p:stCondLst>
+                      <p:childTnLst>
+                        <p:par>
+                          <p:cTn id="11" fill="hold">
+                            <p:stCondLst>
+                              <p:cond delay="0"/>
+                            </p:stCondLst>
+                            <p:childTnLst>
+                              <p:par>
+                                <p:cTn id="12" presetID="42" presetClass="entr" presetSubtype="0" fill="hold" nodeType="clickEffect">
+                                  <p:stCondLst>
+                                    <p:cond delay="0"/>
+                                  </p:stCondLst>
+                                  <p:childTnLst>
+                                    <p:set>
+                                      <p:cBhvr>
+                                        <p:cTn id="13" dur="1" fill="hold">
+                                          <p:stCondLst>
+                                            <p:cond delay="0"/>
+                                          </p:stCondLst>
+                                        </p:cTn>
+                                        <p:tgtEl>
+                                          <p:spTgt spid="3">
+                                            <p:txEl>
+                                              <p:pRg st="1" end="1"/>
+                                            </p:txEl>
+                                          </p:spTgt>
+                                        </p:tgtEl>
+                                        <p:attrNameLst>
+                                          <p:attrName>style.visibility</p:attrName>
+                                        </p:attrNameLst>
+                                      </p:cBhvr>
+                                      <p:to>
+                                        <p:strVal val="visible"/>
+                                      </p:to>
+                                    </p:set>
+                                    <p:animEffect transition="in" filter="fade">
+                                      <p:cBhvr>
+                                        <p:cTn id="14" dur="1000"/>
+                                        <p:tgtEl>
+                                          <p:spTgt spid="3">
+                                            <p:txEl>
+                                              <p:pRg st="1" end="1"/>
+                                            </p:txEl>
+                                          </p:spTgt>
+                                        </p:tgtEl>
+                                      </p:cBhvr>
+                                    </p:animEffect>
+                                    <p:anim calcmode="lin" valueType="num">
+                                      <p:cBhvr>
+                                        <p:cTn id="15" dur="1000" fill="hold"/>
+                                        <p:tgtEl>
+                                          <p:spTgt spid="3">
+                                            <p:txEl>
+                                              <p:pRg st="1" end="1"/>
+                                            </p:txEl>
+                                          </p:spTgt>
+                                        </p:tgtEl>
+                                        <p:attrNameLst>
+                                          <p:attrName>ppt_x</p:attrName>
+                                        </p:attrNameLst>
+                                      </p:cBhvr>
+                                      <p:tavLst>
+                                        <p:tav tm="0">
+                                          <p:val>
+                                            <p:strVal val="#ppt_x"/>
+                                          </p:val>
+                                        </p:tav>
+                                        <p:tav tm="100000">
+                                          <p:val>
+                                            <p:strVal val="#ppt_x"/>
+                                          </p:val>
+                                        </p:tav>
+                                      </p:tavLst>
+                                    </p:anim>
+                                    <p:anim calcmode="lin" valueType="num">
+                                      <p:cBhvr>
+                                        <p:cTn id="16" dur="1000" fill="hold"/>
+                                        <p:tgtEl>
+                                          <p:spTgt spid="3">
+                                            <p:txEl>
+                                              <p:pRg st="1" end="1"/>
+                                            </p:txEl>
+                                          </p:spTgt>
+                                        </p:tgtEl>
+                                        <p:attrNameLst>
+                                          <p:attrName>ppt_y</p:attrName>
+                                        </p:attrNameLst>
+                                      </p:cBhvr>
+                                      <p:tavLst>
+                                        <p:tav tm="0">
+                                          <p:val>
+                                            <p:strVal val="#ppt_y+.1"/>
+                                          </p:val>
+                                        </p:tav>
+                                        <p:tav tm="100000">
+                                          <p:val>
+                                            <p:strVal val="#ppt_y"/>
+                                          </p:val>
+                                        </p:tav>
+                                      </p:tavLst>
+                                    </p:anim>
+                                  </p:childTnLst>
+                                </p:cTn>
+                              </p:par>
+                            </p:childTnLst>
+                          </p:cTn>
+                        </p:par>
+                      </p:childTnLst>
+                    </p:cTn>
+                  </p:par>
+                  <p:par>
+                    <p:cTn id="17" fill="hold">
+                      <p:stCondLst>
+                        <p:cond delay="indefinite"/>
+                      </p:stCondLst>
+                      <p:childTnLst>
+                        <p:par>
+                          <p:cTn id="18" fill="hold">
+                            <p:stCondLst>
+                              <p:cond delay="0"/>
+                            </p:stCondLst>
+                            <p:childTnLst>
+                              <p:par>
+                                <p:cTn id="19" presetID="42" presetClass="entr" presetSubtype="0" fill="hold" nodeType="clickEffect">
+                                  <p:stCondLst>
+                                    <p:cond delay="0"/>
+                                  </p:stCondLst>
+                                  <p:childTnLst>
+                                    <p:set>
+                                      <p:cBhvr>
+                                        <p:cTn id="20" dur="1" fill="hold">
+                                          <p:stCondLst>
+                                            <p:cond delay="0"/>
+                                          </p:stCondLst>
+                                        </p:cTn>
+                                        <p:tgtEl>
+                                          <p:spTgt spid="3">
+                                            <p:txEl>
+                                              <p:pRg st="2" end="2"/>
+                                            </p:txEl>
+                                          </p:spTgt>
+                                        </p:tgtEl>
+                                        <p:attrNameLst>
+                                          <p:attrName>style.visibility</p:attrName>
+                                        </p:attrNameLst>
+                                      </p:cBhvr>
+                                      <p:to>
+                                        <p:strVal val="visible"/>
+                                      </p:to>
+                                    </p:set>
+                                    <p:animEffect transition="in" filter="fade">
+                                      <p:cBhvr>
+                                        <p:cTn id="21" dur="1000"/>
+                                        <p:tgtEl>
+                                          <p:spTgt spid="3">
+                                            <p:txEl>
+                                              <p:pRg st="2" end="2"/>
+                                            </p:txEl>
+                                          </p:spTgt>
+                                        </p:tgtEl>
+                                      </p:cBhvr>
+                                    </p:animEffect>
+                                    <p:anim calcmode="lin" valueType="num">
+                                      <p:cBhvr>
+                                        <p:cTn id="22" dur="1000" fill="hold"/>
+                                        <p:tgtEl>
+                                          <p:spTgt spid="3">
+                                            <p:txEl>
+                                              <p:pRg st="2" end="2"/>
+                                            </p:txEl>
+                                          </p:spTgt>
+                                        </p:tgtEl>
+                                        <p:attrNameLst>
+                                          <p:attrName>ppt_x</p:attrName>
+                                        </p:attrNameLst>
+                                      </p:cBhvr>
+                                      <p:tavLst>
+                                        <p:tav tm="0">
+                                          <p:val>
+                                            <p:strVal val="#ppt_x"/>
+                                          </p:val>
+                                        </p:tav>
+                                        <p:tav tm="100000">
+                                          <p:val>
+                                            <p:strVal val="#ppt_x"/>
+                                          </p:val>
+                                        </p:tav>
+                                      </p:tavLst>
+                                    </p:anim>
+                                    <p:anim calcmode="lin" valueType="num">
+                                      <p:cBhvr>
+                                        <p:cTn id="23" dur="1000" fill="hold"/>
+                                        <p:tgtEl>
+                                          <p:spTgt spid="3">
+                                            <p:txEl>
+                                              <p:pRg st="2" end="2"/>
+                                            </p:txEl>
+                                          </p:spTgt>
+                                        </p:tgtEl>
+                                        <p:attrNameLst>
+                                          <p:attrName>ppt_y</p:attrName>
+                                        </p:attrNameLst>
+                                      </p:cBhvr>
+                                      <p:tavLst>
+                                        <p:tav tm="0">
+                                          <p:val>
+                                            <p:strVal val="#ppt_y+.1"/>
+                                          </p:val>
+                                        </p:tav>
+                                        <p:tav tm="100000">
+                                          <p:val>
+                                            <p:strVal val="#ppt_y"/>
+                                          </p:val>
+                                        </p:tav>
+                                      </p:tavLst>
+                                    </p:anim>
+                                  </p:childTnLst>
+                                </p:cTn>
+                              </p:par>
+                            </p:childTnLst>
+                          </p:cTn>
+                        </p:par>
+                      </p:childTnLst>
+                    </p:cTn>
+                  </p:par>
+                  <p:par>
+                    <p:cTn id="24" fill="hold">
+                      <p:stCondLst>
+                        <p:cond delay="indefinite"/>
+                      </p:stCondLst>
+                      <p:childTnLst>
+                        <p:par>
+                          <p:cTn id="25" fill="hold">
+                            <p:stCondLst>
+                              <p:cond delay="0"/>
+                            </p:stCondLst>
+                            <p:childTnLst>
+                              <p:par>
+                                <p:cTn id="26" presetID="42" presetClass="entr" presetSubtype="0" fill="hold" nodeType="clickEffect">
+                                  <p:stCondLst>
+                                    <p:cond delay="0"/>
+                                  </p:stCondLst>
+                                  <p:childTnLst>
+                                    <p:set>
+                                      <p:cBhvr>
+                                        <p:cTn id="27" dur="1" fill="hold">
+                                          <p:stCondLst>
+                                            <p:cond delay="0"/>
+                                          </p:stCondLst>
+                                        </p:cTn>
+                                        <p:tgtEl>
+                                          <p:spTgt spid="3">
+                                            <p:txEl>
+                                              <p:pRg st="3" end="3"/>
+                                            </p:txEl>
+                                          </p:spTgt>
+                                        </p:tgtEl>
+                                        <p:attrNameLst>
+                                          <p:attrName>style.visibility</p:attrName>
+                                        </p:attrNameLst>
+                                      </p:cBhvr>
+                                      <p:to>
+                                        <p:strVal val="visible"/>
+                                      </p:to>
+                                    </p:set>
+                                    <p:animEffect transition="in" filter="fade">
+                                      <p:cBhvr>
+                                        <p:cTn id="28" dur="1000"/>
+                                        <p:tgtEl>
+                                          <p:spTgt spid="3">
+                                            <p:txEl>
+                                              <p:pRg st="3" end="3"/>
+                                            </p:txEl>
+                                          </p:spTgt>
+                                        </p:tgtEl>
+                                      </p:cBhvr>
+                                    </p:animEffect>
+                                    <p:anim calcmode="lin" valueType="num">
+                                      <p:cBhvr>
+                                        <p:cTn id="29" dur="1000" fill="hold"/>
+                                        <p:tgtEl>
+                                          <p:spTgt spid="3">
+                                            <p:txEl>
+                                              <p:pRg st="3" end="3"/>
+                                            </p:txEl>
+                                          </p:spTgt>
+                                        </p:tgtEl>
+                                        <p:attrNameLst>
+                                          <p:attrName>ppt_x</p:attrName>
+                                        </p:attrNameLst>
+                                      </p:cBhvr>
+                                      <p:tavLst>
+                                        <p:tav tm="0">
+                                          <p:val>
+                                            <p:strVal val="#ppt_x"/>
+                                          </p:val>
+                                        </p:tav>
+                                        <p:tav tm="100000">
+                                          <p:val>
+                                            <p:strVal val="#ppt_x"/>
+                                          </p:val>
+                                        </p:tav>
+                                      </p:tavLst>
+                                    </p:anim>
+                                    <p:anim calcmode="lin" valueType="num">
+                                      <p:cBhvr>
+                                        <p:cTn id="30" dur="1000" fill="hold"/>
+                                        <p:tgtEl>
+                                          <p:spTgt spid="3">
+                                            <p:txEl>
+                                              <p:pRg st="3" end="3"/>
+                                            </p:txEl>
+                                          </p:spTgt>
+                                        </p:tgtEl>
+                                        <p:attrNameLst>
+                                          <p:attrName>ppt_y</p:attrName>
+                                        </p:attrNameLst>
+                                      </p:cBhvr>
+                                      <p:tavLst>
+                                        <p:tav tm="0">
+                                          <p:val>
+                                            <p:strVal val="#ppt_y+.1"/>
+                                          </p:val>
+                                        </p:tav>
+                                        <p:tav tm="100000">
+                                          <p:val>
+                                            <p:strVal val="#ppt_y"/>
+                                          </p:val>
+                                        </p:tav>
+                                      </p:tavLst>
+                                    </p:anim>
+                                  </p:childTnLst>
+                                </p:cTn>
+                              </p:par>
+                            </p:childTnLst>
+                          </p:cTn>
+                        </p:par>
+                      </p:childTnLst>
+                    </p:cTn>
+                  </p:par>
+                  <p:par>
+                    <p:cTn id="31" fill="hold">
+                      <p:stCondLst>
+                        <p:cond delay="indefinite"/>
+                      </p:stCondLst>
+                      <p:childTnLst>
+                        <p:par>
+                          <p:cTn id="32" fill="hold">
+                            <p:stCondLst>
+                              <p:cond delay="0"/>
+                            </p:stCondLst>
+                            <p:childTnLst>
+                              <p:par>
+                                <p:cTn id="33" presetID="16" presetClass="entr" presetSubtype="21" fill="hold" nodeType="clickEffect">
+                                  <p:stCondLst>
+                                    <p:cond delay="0"/>
+                                  </p:stCondLst>
+                                  <p:childTnLst>
+                                    <p:set>
+                                      <p:cBhvr>
+                                        <p:cTn id="34" dur="1" fill="hold">
+                                          <p:stCondLst>
+                                            <p:cond delay="0"/>
+                                          </p:stCondLst>
+                                        </p:cTn>
+                                        <p:tgtEl>
+                                          <p:spTgt spid="3">
+                                            <p:txEl>
+                                              <p:pRg st="4" end="4"/>
+                                            </p:txEl>
+                                          </p:spTgt>
+                                        </p:tgtEl>
+                                        <p:attrNameLst>
+                                          <p:attrName>style.visibility</p:attrName>
+                                        </p:attrNameLst>
+                                      </p:cBhvr>
+                                      <p:to>
+                                        <p:strVal val="visible"/>
+                                      </p:to>
+                                    </p:set>
+                                    <p:animEffect transition="in" filter="barn(inVertical)">
+                                      <p:cBhvr>
+                                        <p:cTn id="35" dur="500"/>
+                                        <p:tgtEl>
+                                          <p:spTgt spid="3">
+                                            <p:txEl>
+                                              <p:pRg st="4" end="4"/>
+                                            </p:txEl>
+                                          </p:spTgt>
+                                        </p:tgtEl>
+                                      </p:cBhvr>
+                                    </p:animEffect>
+                                  </p:childTnLst>
+                                </p:cTn>
+                              </p:par>
+                            </p:childTnLst>
+                          </p:cTn>
+                        </p:par>
+                      </p:childTnLst>
+                    </p:cTn>
+                  </p:par>
+                </p:childTnLst>
+              </p:cTn>
+              <p:prevCondLst>
+                <p:cond evt="onPrev" delay="0">
+                  <p:tgtEl>
+                    <p:sldTgt/>
+                  </p:tgtEl>
+                </p:cond>
+              </p:prevCondLst>
+              <p:nextCondLst>
+                <p:cond evt="onNext" delay="0">
+                  <p:tgtEl>
+                    <p:sldTgt/>
+                  </p:tgtEl>
+                </p:cond>
+              </p:nextCondLst>
+            </p:seq>
+          </p:childTnLst>
+        </p:cTn>
+      </p:par>
+    </p:tnLst>
+  </p:timing>
 </p:sld>
 </file>
 
